--- a/presentation/meetup-attendance-prediction.pptx
+++ b/presentation/meetup-attendance-prediction.pptx
@@ -7,6 +7,11 @@
   <p:sldIdLst>
     <p:sldId id="256" r:id="rId2"/>
     <p:sldId id="257" r:id="rId3"/>
+    <p:sldId id="258" r:id="rId4"/>
+    <p:sldId id="259" r:id="rId5"/>
+    <p:sldId id="260" r:id="rId6"/>
+    <p:sldId id="262" r:id="rId7"/>
+    <p:sldId id="261" r:id="rId8"/>
   </p:sldIdLst>
   <p:sldSz cx="12192000" cy="6858000"/>
   <p:notesSz cx="6858000" cy="9144000"/>
@@ -105,6 +110,11 @@
       </a:defRPr>
     </a:lvl9pPr>
   </p:defaultTextStyle>
+  <p:extLst>
+    <p:ext uri="{EFAFB233-063F-42B5-8137-9DF3F51BA10A}">
+      <p15:sldGuideLst xmlns:p15="http://schemas.microsoft.com/office/powerpoint/2012/main"/>
+    </p:ext>
+  </p:extLst>
 </p:presentation>
 </file>
 
@@ -241,7 +251,7 @@
           <a:p>
             <a:fld id="{979FCCF4-A8A3-418F-AA12-964C00CA898C}" type="datetimeFigureOut">
               <a:rPr lang="en-US" smtClean="0"/>
-              <a:t>9/30/2017</a:t>
+              <a:t>10/1/2017</a:t>
             </a:fld>
             <a:endParaRPr lang="en-US" dirty="0"/>
           </a:p>
@@ -411,7 +421,7 @@
           <a:p>
             <a:fld id="{979FCCF4-A8A3-418F-AA12-964C00CA898C}" type="datetimeFigureOut">
               <a:rPr lang="en-US" smtClean="0"/>
-              <a:t>9/30/2017</a:t>
+              <a:t>10/1/2017</a:t>
             </a:fld>
             <a:endParaRPr lang="en-US"/>
           </a:p>
@@ -591,7 +601,7 @@
           <a:p>
             <a:fld id="{979FCCF4-A8A3-418F-AA12-964C00CA898C}" type="datetimeFigureOut">
               <a:rPr lang="en-US" smtClean="0"/>
-              <a:t>9/30/2017</a:t>
+              <a:t>10/1/2017</a:t>
             </a:fld>
             <a:endParaRPr lang="en-US"/>
           </a:p>
@@ -761,7 +771,7 @@
           <a:p>
             <a:fld id="{979FCCF4-A8A3-418F-AA12-964C00CA898C}" type="datetimeFigureOut">
               <a:rPr lang="en-US" smtClean="0"/>
-              <a:t>9/30/2017</a:t>
+              <a:t>10/1/2017</a:t>
             </a:fld>
             <a:endParaRPr lang="en-US"/>
           </a:p>
@@ -1011,7 +1021,7 @@
           <a:p>
             <a:fld id="{979FCCF4-A8A3-418F-AA12-964C00CA898C}" type="datetimeFigureOut">
               <a:rPr lang="en-US" smtClean="0"/>
-              <a:t>9/30/2017</a:t>
+              <a:t>10/1/2017</a:t>
             </a:fld>
             <a:endParaRPr lang="en-US" dirty="0"/>
           </a:p>
@@ -1243,7 +1253,7 @@
           <a:p>
             <a:fld id="{979FCCF4-A8A3-418F-AA12-964C00CA898C}" type="datetimeFigureOut">
               <a:rPr lang="en-US" smtClean="0"/>
-              <a:t>9/30/2017</a:t>
+              <a:t>10/1/2017</a:t>
             </a:fld>
             <a:endParaRPr lang="en-US" dirty="0"/>
           </a:p>
@@ -1610,7 +1620,7 @@
           <a:p>
             <a:fld id="{979FCCF4-A8A3-418F-AA12-964C00CA898C}" type="datetimeFigureOut">
               <a:rPr lang="en-US" smtClean="0"/>
-              <a:t>9/30/2017</a:t>
+              <a:t>10/1/2017</a:t>
             </a:fld>
             <a:endParaRPr lang="en-US"/>
           </a:p>
@@ -1728,7 +1738,7 @@
           <a:p>
             <a:fld id="{979FCCF4-A8A3-418F-AA12-964C00CA898C}" type="datetimeFigureOut">
               <a:rPr lang="en-US" smtClean="0"/>
-              <a:t>9/30/2017</a:t>
+              <a:t>10/1/2017</a:t>
             </a:fld>
             <a:endParaRPr lang="en-US"/>
           </a:p>
@@ -1823,7 +1833,7 @@
           <a:p>
             <a:fld id="{979FCCF4-A8A3-418F-AA12-964C00CA898C}" type="datetimeFigureOut">
               <a:rPr lang="en-US" smtClean="0"/>
-              <a:t>9/30/2017</a:t>
+              <a:t>10/1/2017</a:t>
             </a:fld>
             <a:endParaRPr lang="en-US"/>
           </a:p>
@@ -2100,7 +2110,7 @@
           <a:p>
             <a:fld id="{979FCCF4-A8A3-418F-AA12-964C00CA898C}" type="datetimeFigureOut">
               <a:rPr lang="en-US" smtClean="0"/>
-              <a:t>9/30/2017</a:t>
+              <a:t>10/1/2017</a:t>
             </a:fld>
             <a:endParaRPr lang="en-US"/>
           </a:p>
@@ -2353,7 +2363,7 @@
           <a:p>
             <a:fld id="{979FCCF4-A8A3-418F-AA12-964C00CA898C}" type="datetimeFigureOut">
               <a:rPr lang="en-US" smtClean="0"/>
-              <a:t>9/30/2017</a:t>
+              <a:t>10/1/2017</a:t>
             </a:fld>
             <a:endParaRPr lang="en-US"/>
           </a:p>
@@ -2570,7 +2580,7 @@
             <a:fld id="{979FCCF4-A8A3-418F-AA12-964C00CA898C}" type="datetimeFigureOut">
               <a:rPr lang="en-US" smtClean="0"/>
               <a:pPr/>
-              <a:t>9/30/2017</a:t>
+              <a:t>10/1/2017</a:t>
             </a:fld>
             <a:endParaRPr lang="en-US"/>
           </a:p>
@@ -3031,7 +3041,7 @@
             <a:fld id="{F5564906-6A14-4179-9479-E842ED4981B9}" type="datetime2">
               <a:rPr lang="en-US" smtClean="0"/>
               <a:pPr algn="l"/>
-              <a:t>Saturday, September 30, 2017</a:t>
+              <a:t>Sunday, October 1, 2017</a:t>
             </a:fld>
             <a:endParaRPr lang="en-US" dirty="0"/>
           </a:p>
@@ -3082,7 +3092,11 @@
           <a:bodyPr/>
           <a:lstStyle/>
           <a:p>
-            <a:endParaRPr lang="en-US"/>
+            <a:r>
+              <a:rPr lang="en-US" dirty="0" smtClean="0"/>
+              <a:t>Business objective</a:t>
+            </a:r>
+            <a:endParaRPr lang="en-US" dirty="0"/>
           </a:p>
         </p:txBody>
       </p:sp>
@@ -3101,7 +3115,23 @@
           <a:bodyPr/>
           <a:lstStyle/>
           <a:p>
-            <a:endParaRPr lang="en-US"/>
+            <a:r>
+              <a:rPr lang="en-US" dirty="0" smtClean="0"/>
+              <a:t>To identify the factors that influence group members’ event attendance</a:t>
+            </a:r>
+          </a:p>
+          <a:p>
+            <a:r>
+              <a:rPr lang="en-US" dirty="0" smtClean="0"/>
+              <a:t>To predict the expected number of event participants (group member and their guests)</a:t>
+            </a:r>
+          </a:p>
+          <a:p>
+            <a:r>
+              <a:rPr lang="en-US" dirty="0" smtClean="0"/>
+              <a:t>As an end goal, to organize the event based on these factors to reach optimal attendance</a:t>
+            </a:r>
+            <a:endParaRPr lang="en-US" dirty="0" smtClean="0"/>
           </a:p>
         </p:txBody>
       </p:sp>
@@ -3109,6 +3139,4396 @@
     <p:extLst>
       <p:ext uri="{BB962C8B-B14F-4D97-AF65-F5344CB8AC3E}">
         <p14:creationId xmlns:p14="http://schemas.microsoft.com/office/powerpoint/2010/main" val="2196533776"/>
+      </p:ext>
+    </p:extLst>
+  </p:cSld>
+  <p:clrMapOvr>
+    <a:masterClrMapping/>
+  </p:clrMapOvr>
+</p:sld>
+</file>
+
+<file path=ppt/slides/slide3.xml><?xml version="1.0" encoding="utf-8"?>
+<p:sld xmlns:a="http://schemas.openxmlformats.org/drawingml/2006/main" xmlns:r="http://schemas.openxmlformats.org/officeDocument/2006/relationships" xmlns:p="http://schemas.openxmlformats.org/presentationml/2006/main">
+  <p:cSld>
+    <p:spTree>
+      <p:nvGrpSpPr>
+        <p:cNvPr id="1" name=""/>
+        <p:cNvGrpSpPr/>
+        <p:nvPr/>
+      </p:nvGrpSpPr>
+      <p:grpSpPr>
+        <a:xfrm>
+          <a:off x="0" y="0"/>
+          <a:ext cx="0" cy="0"/>
+          <a:chOff x="0" y="0"/>
+          <a:chExt cx="0" cy="0"/>
+        </a:xfrm>
+      </p:grpSpPr>
+      <p:sp>
+        <p:nvSpPr>
+          <p:cNvPr id="2" name="标题 1"/>
+          <p:cNvSpPr>
+            <a:spLocks noGrp="1"/>
+          </p:cNvSpPr>
+          <p:nvPr>
+            <p:ph type="title"/>
+          </p:nvPr>
+        </p:nvSpPr>
+        <p:spPr/>
+        <p:txBody>
+          <a:bodyPr/>
+          <a:lstStyle/>
+          <a:p>
+            <a:r>
+              <a:rPr lang="en-US" dirty="0" smtClean="0"/>
+              <a:t>Data</a:t>
+            </a:r>
+            <a:endParaRPr lang="en-US" dirty="0"/>
+          </a:p>
+        </p:txBody>
+      </p:sp>
+      <p:graphicFrame>
+        <p:nvGraphicFramePr>
+          <p:cNvPr id="4" name="表格 3"/>
+          <p:cNvGraphicFramePr>
+            <a:graphicFrameLocks noGrp="1"/>
+          </p:cNvGraphicFramePr>
+          <p:nvPr>
+            <p:extLst>
+              <p:ext uri="{D42A27DB-BD31-4B8C-83A1-F6EECF244321}">
+                <p14:modId xmlns:p14="http://schemas.microsoft.com/office/powerpoint/2010/main" val="855578883"/>
+              </p:ext>
+            </p:extLst>
+          </p:nvPr>
+        </p:nvGraphicFramePr>
+        <p:xfrm>
+          <a:off x="6965859" y="3265309"/>
+          <a:ext cx="1440000" cy="2160004"/>
+        </p:xfrm>
+        <a:graphic>
+          <a:graphicData uri="http://schemas.openxmlformats.org/drawingml/2006/table">
+            <a:tbl>
+              <a:tblPr/>
+              <a:tblGrid>
+                <a:gridCol w="1440000"/>
+              </a:tblGrid>
+              <a:tr h="196364">
+                <a:tc>
+                  <a:txBody>
+                    <a:bodyPr/>
+                    <a:lstStyle/>
+                    <a:p>
+                      <a:pPr algn="ctr" fontAlgn="ctr"/>
+                      <a:r>
+                        <a:rPr lang="en-GB" sz="1100" b="1" i="0" u="none" strike="noStrike" dirty="0">
+                          <a:solidFill>
+                            <a:srgbClr val="000000"/>
+                          </a:solidFill>
+                          <a:effectLst/>
+                          <a:latin typeface="Calibri Light" panose="020F0302020204030204" pitchFamily="34" charset="0"/>
+                        </a:rPr>
+                        <a:t>Event</a:t>
+                      </a:r>
+                    </a:p>
+                  </a:txBody>
+                  <a:tcPr marL="9525" marR="9525" marT="9525" marB="0" anchor="ctr">
+                    <a:lnL w="12700" cap="flat" cmpd="sng" algn="ctr">
+                      <a:solidFill>
+                        <a:schemeClr val="bg1">
+                          <a:lumMod val="50000"/>
+                        </a:schemeClr>
+                      </a:solidFill>
+                      <a:prstDash val="solid"/>
+                      <a:round/>
+                      <a:headEnd type="none" w="med" len="med"/>
+                      <a:tailEnd type="none" w="med" len="med"/>
+                    </a:lnL>
+                    <a:lnR w="12700" cap="flat" cmpd="sng" algn="ctr">
+                      <a:solidFill>
+                        <a:schemeClr val="bg1">
+                          <a:lumMod val="50000"/>
+                        </a:schemeClr>
+                      </a:solidFill>
+                      <a:prstDash val="solid"/>
+                      <a:round/>
+                      <a:headEnd type="none" w="med" len="med"/>
+                      <a:tailEnd type="none" w="med" len="med"/>
+                    </a:lnR>
+                    <a:lnT w="12700" cap="flat" cmpd="sng" algn="ctr">
+                      <a:solidFill>
+                        <a:schemeClr val="bg1">
+                          <a:lumMod val="50000"/>
+                        </a:schemeClr>
+                      </a:solidFill>
+                      <a:prstDash val="solid"/>
+                      <a:round/>
+                      <a:headEnd type="none" w="med" len="med"/>
+                      <a:tailEnd type="none" w="med" len="med"/>
+                    </a:lnT>
+                    <a:lnB w="12700" cap="flat" cmpd="sng" algn="ctr">
+                      <a:solidFill>
+                        <a:schemeClr val="bg1">
+                          <a:lumMod val="50000"/>
+                        </a:schemeClr>
+                      </a:solidFill>
+                      <a:prstDash val="solid"/>
+                      <a:round/>
+                      <a:headEnd type="none" w="med" len="med"/>
+                      <a:tailEnd type="none" w="med" len="med"/>
+                    </a:lnB>
+                    <a:solidFill>
+                      <a:schemeClr val="bg1">
+                        <a:lumMod val="85000"/>
+                      </a:schemeClr>
+                    </a:solidFill>
+                  </a:tcPr>
+                </a:tc>
+              </a:tr>
+              <a:tr h="196364">
+                <a:tc>
+                  <a:txBody>
+                    <a:bodyPr/>
+                    <a:lstStyle/>
+                    <a:p>
+                      <a:pPr algn="ctr" fontAlgn="ctr"/>
+                      <a:r>
+                        <a:rPr lang="en-GB" sz="1100" b="0" i="0" u="none" strike="noStrike" dirty="0" err="1">
+                          <a:solidFill>
+                            <a:srgbClr val="000000"/>
+                          </a:solidFill>
+                          <a:effectLst/>
+                          <a:latin typeface="Calibri Light" panose="020F0302020204030204" pitchFamily="34" charset="0"/>
+                        </a:rPr>
+                        <a:t>group_id</a:t>
+                      </a:r>
+                      <a:endParaRPr lang="en-GB" sz="1100" b="0" i="0" u="none" strike="noStrike" dirty="0">
+                        <a:solidFill>
+                          <a:srgbClr val="000000"/>
+                        </a:solidFill>
+                        <a:effectLst/>
+                        <a:latin typeface="Calibri Light" panose="020F0302020204030204" pitchFamily="34" charset="0"/>
+                      </a:endParaRPr>
+                    </a:p>
+                  </a:txBody>
+                  <a:tcPr marL="9525" marR="9525" marT="9525" marB="0" anchor="ctr">
+                    <a:lnL w="12700" cap="flat" cmpd="sng" algn="ctr">
+                      <a:solidFill>
+                        <a:schemeClr val="bg1">
+                          <a:lumMod val="50000"/>
+                        </a:schemeClr>
+                      </a:solidFill>
+                      <a:prstDash val="solid"/>
+                      <a:round/>
+                      <a:headEnd type="none" w="med" len="med"/>
+                      <a:tailEnd type="none" w="med" len="med"/>
+                    </a:lnL>
+                    <a:lnR w="12700" cap="flat" cmpd="sng" algn="ctr">
+                      <a:solidFill>
+                        <a:schemeClr val="bg1">
+                          <a:lumMod val="50000"/>
+                        </a:schemeClr>
+                      </a:solidFill>
+                      <a:prstDash val="solid"/>
+                      <a:round/>
+                      <a:headEnd type="none" w="med" len="med"/>
+                      <a:tailEnd type="none" w="med" len="med"/>
+                    </a:lnR>
+                    <a:lnT w="12700" cap="flat" cmpd="sng" algn="ctr">
+                      <a:solidFill>
+                        <a:schemeClr val="bg1">
+                          <a:lumMod val="50000"/>
+                        </a:schemeClr>
+                      </a:solidFill>
+                      <a:prstDash val="solid"/>
+                      <a:round/>
+                      <a:headEnd type="none" w="med" len="med"/>
+                      <a:tailEnd type="none" w="med" len="med"/>
+                    </a:lnT>
+                    <a:lnB>
+                      <a:noFill/>
+                    </a:lnB>
+                    <a:solidFill>
+                      <a:schemeClr val="bg1">
+                        <a:lumMod val="95000"/>
+                      </a:schemeClr>
+                    </a:solidFill>
+                  </a:tcPr>
+                </a:tc>
+              </a:tr>
+              <a:tr h="196364">
+                <a:tc>
+                  <a:txBody>
+                    <a:bodyPr/>
+                    <a:lstStyle/>
+                    <a:p>
+                      <a:pPr algn="ctr" fontAlgn="ctr"/>
+                      <a:r>
+                        <a:rPr lang="en-GB" sz="1100" b="0" i="0" u="none" strike="noStrike" dirty="0">
+                          <a:solidFill>
+                            <a:srgbClr val="000000"/>
+                          </a:solidFill>
+                          <a:effectLst/>
+                          <a:latin typeface="Calibri Light" panose="020F0302020204030204" pitchFamily="34" charset="0"/>
+                        </a:rPr>
+                        <a:t>name</a:t>
+                      </a:r>
+                    </a:p>
+                  </a:txBody>
+                  <a:tcPr marL="9525" marR="9525" marT="9525" marB="0" anchor="ctr">
+                    <a:lnL w="12700" cap="flat" cmpd="sng" algn="ctr">
+                      <a:solidFill>
+                        <a:schemeClr val="bg1">
+                          <a:lumMod val="50000"/>
+                        </a:schemeClr>
+                      </a:solidFill>
+                      <a:prstDash val="solid"/>
+                      <a:round/>
+                      <a:headEnd type="none" w="med" len="med"/>
+                      <a:tailEnd type="none" w="med" len="med"/>
+                    </a:lnL>
+                    <a:lnR w="12700" cap="flat" cmpd="sng" algn="ctr">
+                      <a:solidFill>
+                        <a:schemeClr val="bg1">
+                          <a:lumMod val="50000"/>
+                        </a:schemeClr>
+                      </a:solidFill>
+                      <a:prstDash val="solid"/>
+                      <a:round/>
+                      <a:headEnd type="none" w="med" len="med"/>
+                      <a:tailEnd type="none" w="med" len="med"/>
+                    </a:lnR>
+                    <a:lnT>
+                      <a:noFill/>
+                    </a:lnT>
+                    <a:lnB>
+                      <a:noFill/>
+                    </a:lnB>
+                    <a:solidFill>
+                      <a:schemeClr val="bg1">
+                        <a:lumMod val="95000"/>
+                      </a:schemeClr>
+                    </a:solidFill>
+                  </a:tcPr>
+                </a:tc>
+              </a:tr>
+              <a:tr h="196364">
+                <a:tc>
+                  <a:txBody>
+                    <a:bodyPr/>
+                    <a:lstStyle/>
+                    <a:p>
+                      <a:pPr algn="ctr" fontAlgn="ctr"/>
+                      <a:r>
+                        <a:rPr lang="en-GB" sz="1100" b="0" i="0" u="none" strike="noStrike" dirty="0">
+                          <a:solidFill>
+                            <a:srgbClr val="000000"/>
+                          </a:solidFill>
+                          <a:effectLst/>
+                          <a:latin typeface="Calibri Light" panose="020F0302020204030204" pitchFamily="34" charset="0"/>
+                        </a:rPr>
+                        <a:t>description</a:t>
+                      </a:r>
+                    </a:p>
+                  </a:txBody>
+                  <a:tcPr marL="9525" marR="9525" marT="9525" marB="0" anchor="ctr">
+                    <a:lnL w="12700" cap="flat" cmpd="sng" algn="ctr">
+                      <a:solidFill>
+                        <a:schemeClr val="bg1">
+                          <a:lumMod val="50000"/>
+                        </a:schemeClr>
+                      </a:solidFill>
+                      <a:prstDash val="solid"/>
+                      <a:round/>
+                      <a:headEnd type="none" w="med" len="med"/>
+                      <a:tailEnd type="none" w="med" len="med"/>
+                    </a:lnL>
+                    <a:lnR w="12700" cap="flat" cmpd="sng" algn="ctr">
+                      <a:solidFill>
+                        <a:schemeClr val="bg1">
+                          <a:lumMod val="50000"/>
+                        </a:schemeClr>
+                      </a:solidFill>
+                      <a:prstDash val="solid"/>
+                      <a:round/>
+                      <a:headEnd type="none" w="med" len="med"/>
+                      <a:tailEnd type="none" w="med" len="med"/>
+                    </a:lnR>
+                    <a:lnT>
+                      <a:noFill/>
+                    </a:lnT>
+                    <a:lnB>
+                      <a:noFill/>
+                    </a:lnB>
+                    <a:solidFill>
+                      <a:schemeClr val="bg1">
+                        <a:lumMod val="95000"/>
+                      </a:schemeClr>
+                    </a:solidFill>
+                  </a:tcPr>
+                </a:tc>
+              </a:tr>
+              <a:tr h="196364">
+                <a:tc>
+                  <a:txBody>
+                    <a:bodyPr/>
+                    <a:lstStyle/>
+                    <a:p>
+                      <a:pPr algn="ctr" fontAlgn="ctr"/>
+                      <a:r>
+                        <a:rPr lang="en-GB" sz="1100" b="0" i="0" u="none" strike="noStrike" dirty="0">
+                          <a:solidFill>
+                            <a:srgbClr val="000000"/>
+                          </a:solidFill>
+                          <a:effectLst/>
+                          <a:latin typeface="Calibri Light" panose="020F0302020204030204" pitchFamily="34" charset="0"/>
+                        </a:rPr>
+                        <a:t>created</a:t>
+                      </a:r>
+                    </a:p>
+                  </a:txBody>
+                  <a:tcPr marL="9525" marR="9525" marT="9525" marB="0" anchor="ctr">
+                    <a:lnL w="12700" cap="flat" cmpd="sng" algn="ctr">
+                      <a:solidFill>
+                        <a:schemeClr val="bg1">
+                          <a:lumMod val="50000"/>
+                        </a:schemeClr>
+                      </a:solidFill>
+                      <a:prstDash val="solid"/>
+                      <a:round/>
+                      <a:headEnd type="none" w="med" len="med"/>
+                      <a:tailEnd type="none" w="med" len="med"/>
+                    </a:lnL>
+                    <a:lnR w="12700" cap="flat" cmpd="sng" algn="ctr">
+                      <a:solidFill>
+                        <a:schemeClr val="bg1">
+                          <a:lumMod val="50000"/>
+                        </a:schemeClr>
+                      </a:solidFill>
+                      <a:prstDash val="solid"/>
+                      <a:round/>
+                      <a:headEnd type="none" w="med" len="med"/>
+                      <a:tailEnd type="none" w="med" len="med"/>
+                    </a:lnR>
+                    <a:lnT>
+                      <a:noFill/>
+                    </a:lnT>
+                    <a:lnB>
+                      <a:noFill/>
+                    </a:lnB>
+                    <a:solidFill>
+                      <a:schemeClr val="bg1">
+                        <a:lumMod val="95000"/>
+                      </a:schemeClr>
+                    </a:solidFill>
+                  </a:tcPr>
+                </a:tc>
+              </a:tr>
+              <a:tr h="196364">
+                <a:tc>
+                  <a:txBody>
+                    <a:bodyPr/>
+                    <a:lstStyle/>
+                    <a:p>
+                      <a:pPr algn="ctr" fontAlgn="ctr"/>
+                      <a:r>
+                        <a:rPr lang="en-GB" sz="1100" b="0" i="0" u="none" strike="noStrike" dirty="0">
+                          <a:solidFill>
+                            <a:srgbClr val="000000"/>
+                          </a:solidFill>
+                          <a:effectLst/>
+                          <a:latin typeface="Calibri Light" panose="020F0302020204030204" pitchFamily="34" charset="0"/>
+                        </a:rPr>
+                        <a:t>time</a:t>
+                      </a:r>
+                    </a:p>
+                  </a:txBody>
+                  <a:tcPr marL="9525" marR="9525" marT="9525" marB="0" anchor="ctr">
+                    <a:lnL w="12700" cap="flat" cmpd="sng" algn="ctr">
+                      <a:solidFill>
+                        <a:schemeClr val="bg1">
+                          <a:lumMod val="50000"/>
+                        </a:schemeClr>
+                      </a:solidFill>
+                      <a:prstDash val="solid"/>
+                      <a:round/>
+                      <a:headEnd type="none" w="med" len="med"/>
+                      <a:tailEnd type="none" w="med" len="med"/>
+                    </a:lnL>
+                    <a:lnR w="12700" cap="flat" cmpd="sng" algn="ctr">
+                      <a:solidFill>
+                        <a:schemeClr val="bg1">
+                          <a:lumMod val="50000"/>
+                        </a:schemeClr>
+                      </a:solidFill>
+                      <a:prstDash val="solid"/>
+                      <a:round/>
+                      <a:headEnd type="none" w="med" len="med"/>
+                      <a:tailEnd type="none" w="med" len="med"/>
+                    </a:lnR>
+                    <a:lnT>
+                      <a:noFill/>
+                    </a:lnT>
+                    <a:lnB>
+                      <a:noFill/>
+                    </a:lnB>
+                    <a:solidFill>
+                      <a:schemeClr val="bg1">
+                        <a:lumMod val="95000"/>
+                      </a:schemeClr>
+                    </a:solidFill>
+                  </a:tcPr>
+                </a:tc>
+              </a:tr>
+              <a:tr h="196364">
+                <a:tc>
+                  <a:txBody>
+                    <a:bodyPr/>
+                    <a:lstStyle/>
+                    <a:p>
+                      <a:pPr algn="ctr" fontAlgn="ctr"/>
+                      <a:r>
+                        <a:rPr lang="en-GB" sz="1100" b="0" i="0" u="none" strike="noStrike" dirty="0">
+                          <a:solidFill>
+                            <a:srgbClr val="000000"/>
+                          </a:solidFill>
+                          <a:effectLst/>
+                          <a:latin typeface="Calibri Light" panose="020F0302020204030204" pitchFamily="34" charset="0"/>
+                        </a:rPr>
+                        <a:t>duration</a:t>
+                      </a:r>
+                    </a:p>
+                  </a:txBody>
+                  <a:tcPr marL="9525" marR="9525" marT="9525" marB="0" anchor="ctr">
+                    <a:lnL w="12700" cap="flat" cmpd="sng" algn="ctr">
+                      <a:solidFill>
+                        <a:schemeClr val="bg1">
+                          <a:lumMod val="50000"/>
+                        </a:schemeClr>
+                      </a:solidFill>
+                      <a:prstDash val="solid"/>
+                      <a:round/>
+                      <a:headEnd type="none" w="med" len="med"/>
+                      <a:tailEnd type="none" w="med" len="med"/>
+                    </a:lnL>
+                    <a:lnR w="12700" cap="flat" cmpd="sng" algn="ctr">
+                      <a:solidFill>
+                        <a:schemeClr val="bg1">
+                          <a:lumMod val="50000"/>
+                        </a:schemeClr>
+                      </a:solidFill>
+                      <a:prstDash val="solid"/>
+                      <a:round/>
+                      <a:headEnd type="none" w="med" len="med"/>
+                      <a:tailEnd type="none" w="med" len="med"/>
+                    </a:lnR>
+                    <a:lnT>
+                      <a:noFill/>
+                    </a:lnT>
+                    <a:lnB>
+                      <a:noFill/>
+                    </a:lnB>
+                    <a:solidFill>
+                      <a:schemeClr val="bg1">
+                        <a:lumMod val="95000"/>
+                      </a:schemeClr>
+                    </a:solidFill>
+                  </a:tcPr>
+                </a:tc>
+              </a:tr>
+              <a:tr h="196364">
+                <a:tc>
+                  <a:txBody>
+                    <a:bodyPr/>
+                    <a:lstStyle/>
+                    <a:p>
+                      <a:pPr algn="ctr" fontAlgn="ctr"/>
+                      <a:r>
+                        <a:rPr lang="en-GB" sz="1100" b="0" i="0" u="none" strike="noStrike" dirty="0" err="1">
+                          <a:solidFill>
+                            <a:srgbClr val="000000"/>
+                          </a:solidFill>
+                          <a:effectLst/>
+                          <a:latin typeface="Calibri Light" panose="020F0302020204030204" pitchFamily="34" charset="0"/>
+                        </a:rPr>
+                        <a:t>rsvp_limit</a:t>
+                      </a:r>
+                      <a:endParaRPr lang="en-GB" sz="1100" b="0" i="0" u="none" strike="noStrike" dirty="0">
+                        <a:solidFill>
+                          <a:srgbClr val="000000"/>
+                        </a:solidFill>
+                        <a:effectLst/>
+                        <a:latin typeface="Calibri Light" panose="020F0302020204030204" pitchFamily="34" charset="0"/>
+                      </a:endParaRPr>
+                    </a:p>
+                  </a:txBody>
+                  <a:tcPr marL="9525" marR="9525" marT="9525" marB="0" anchor="ctr">
+                    <a:lnL w="12700" cap="flat" cmpd="sng" algn="ctr">
+                      <a:solidFill>
+                        <a:schemeClr val="bg1">
+                          <a:lumMod val="50000"/>
+                        </a:schemeClr>
+                      </a:solidFill>
+                      <a:prstDash val="solid"/>
+                      <a:round/>
+                      <a:headEnd type="none" w="med" len="med"/>
+                      <a:tailEnd type="none" w="med" len="med"/>
+                    </a:lnL>
+                    <a:lnR w="12700" cap="flat" cmpd="sng" algn="ctr">
+                      <a:solidFill>
+                        <a:schemeClr val="bg1">
+                          <a:lumMod val="50000"/>
+                        </a:schemeClr>
+                      </a:solidFill>
+                      <a:prstDash val="solid"/>
+                      <a:round/>
+                      <a:headEnd type="none" w="med" len="med"/>
+                      <a:tailEnd type="none" w="med" len="med"/>
+                    </a:lnR>
+                    <a:lnT>
+                      <a:noFill/>
+                    </a:lnT>
+                    <a:lnB>
+                      <a:noFill/>
+                    </a:lnB>
+                    <a:solidFill>
+                      <a:schemeClr val="bg1">
+                        <a:lumMod val="95000"/>
+                      </a:schemeClr>
+                    </a:solidFill>
+                  </a:tcPr>
+                </a:tc>
+              </a:tr>
+              <a:tr h="196364">
+                <a:tc>
+                  <a:txBody>
+                    <a:bodyPr/>
+                    <a:lstStyle/>
+                    <a:p>
+                      <a:pPr algn="ctr" fontAlgn="ctr"/>
+                      <a:r>
+                        <a:rPr lang="en-GB" sz="1100" b="0" i="0" u="none" strike="noStrike" dirty="0" err="1">
+                          <a:solidFill>
+                            <a:srgbClr val="000000"/>
+                          </a:solidFill>
+                          <a:effectLst/>
+                          <a:latin typeface="Calibri Light" panose="020F0302020204030204" pitchFamily="34" charset="0"/>
+                        </a:rPr>
+                        <a:t>venue_id</a:t>
+                      </a:r>
+                      <a:endParaRPr lang="en-GB" sz="1100" b="0" i="0" u="none" strike="noStrike" dirty="0">
+                        <a:solidFill>
+                          <a:srgbClr val="000000"/>
+                        </a:solidFill>
+                        <a:effectLst/>
+                        <a:latin typeface="Calibri Light" panose="020F0302020204030204" pitchFamily="34" charset="0"/>
+                      </a:endParaRPr>
+                    </a:p>
+                  </a:txBody>
+                  <a:tcPr marL="9525" marR="9525" marT="9525" marB="0" anchor="ctr">
+                    <a:lnL w="12700" cap="flat" cmpd="sng" algn="ctr">
+                      <a:solidFill>
+                        <a:schemeClr val="bg1">
+                          <a:lumMod val="50000"/>
+                        </a:schemeClr>
+                      </a:solidFill>
+                      <a:prstDash val="solid"/>
+                      <a:round/>
+                      <a:headEnd type="none" w="med" len="med"/>
+                      <a:tailEnd type="none" w="med" len="med"/>
+                    </a:lnL>
+                    <a:lnR w="12700" cap="flat" cmpd="sng" algn="ctr">
+                      <a:solidFill>
+                        <a:schemeClr val="bg1">
+                          <a:lumMod val="50000"/>
+                        </a:schemeClr>
+                      </a:solidFill>
+                      <a:prstDash val="solid"/>
+                      <a:round/>
+                      <a:headEnd type="none" w="med" len="med"/>
+                      <a:tailEnd type="none" w="med" len="med"/>
+                    </a:lnR>
+                    <a:lnT>
+                      <a:noFill/>
+                    </a:lnT>
+                    <a:lnB>
+                      <a:noFill/>
+                    </a:lnB>
+                    <a:solidFill>
+                      <a:schemeClr val="bg1">
+                        <a:lumMod val="95000"/>
+                      </a:schemeClr>
+                    </a:solidFill>
+                  </a:tcPr>
+                </a:tc>
+              </a:tr>
+              <a:tr h="196364">
+                <a:tc>
+                  <a:txBody>
+                    <a:bodyPr/>
+                    <a:lstStyle/>
+                    <a:p>
+                      <a:pPr algn="ctr" fontAlgn="ctr"/>
+                      <a:r>
+                        <a:rPr lang="en-GB" sz="1100" b="0" i="0" u="none" strike="noStrike" dirty="0">
+                          <a:solidFill>
+                            <a:srgbClr val="000000"/>
+                          </a:solidFill>
+                          <a:effectLst/>
+                          <a:latin typeface="Calibri Light" panose="020F0302020204030204" pitchFamily="34" charset="0"/>
+                        </a:rPr>
+                        <a:t>status</a:t>
+                      </a:r>
+                    </a:p>
+                  </a:txBody>
+                  <a:tcPr marL="9525" marR="9525" marT="9525" marB="0" anchor="ctr">
+                    <a:lnL w="12700" cap="flat" cmpd="sng" algn="ctr">
+                      <a:solidFill>
+                        <a:schemeClr val="bg1">
+                          <a:lumMod val="50000"/>
+                        </a:schemeClr>
+                      </a:solidFill>
+                      <a:prstDash val="solid"/>
+                      <a:round/>
+                      <a:headEnd type="none" w="med" len="med"/>
+                      <a:tailEnd type="none" w="med" len="med"/>
+                    </a:lnL>
+                    <a:lnR w="12700" cap="flat" cmpd="sng" algn="ctr">
+                      <a:solidFill>
+                        <a:schemeClr val="bg1">
+                          <a:lumMod val="50000"/>
+                        </a:schemeClr>
+                      </a:solidFill>
+                      <a:prstDash val="solid"/>
+                      <a:round/>
+                      <a:headEnd type="none" w="med" len="med"/>
+                      <a:tailEnd type="none" w="med" len="med"/>
+                    </a:lnR>
+                    <a:lnT>
+                      <a:noFill/>
+                    </a:lnT>
+                    <a:lnB>
+                      <a:noFill/>
+                    </a:lnB>
+                    <a:solidFill>
+                      <a:schemeClr val="bg1">
+                        <a:lumMod val="95000"/>
+                      </a:schemeClr>
+                    </a:solidFill>
+                  </a:tcPr>
+                </a:tc>
+              </a:tr>
+              <a:tr h="196364">
+                <a:tc>
+                  <a:txBody>
+                    <a:bodyPr/>
+                    <a:lstStyle/>
+                    <a:p>
+                      <a:pPr algn="ctr" fontAlgn="ctr"/>
+                      <a:r>
+                        <a:rPr lang="en-GB" sz="1100" b="0" i="0" u="none" strike="noStrike" dirty="0" err="1">
+                          <a:solidFill>
+                            <a:srgbClr val="000000"/>
+                          </a:solidFill>
+                          <a:effectLst/>
+                          <a:latin typeface="Calibri Light" panose="020F0302020204030204" pitchFamily="34" charset="0"/>
+                        </a:rPr>
+                        <a:t>rsvps</a:t>
+                      </a:r>
+                      <a:endParaRPr lang="en-GB" sz="1100" b="0" i="0" u="none" strike="noStrike" dirty="0">
+                        <a:solidFill>
+                          <a:srgbClr val="000000"/>
+                        </a:solidFill>
+                        <a:effectLst/>
+                        <a:latin typeface="Calibri Light" panose="020F0302020204030204" pitchFamily="34" charset="0"/>
+                      </a:endParaRPr>
+                    </a:p>
+                  </a:txBody>
+                  <a:tcPr marL="9525" marR="9525" marT="9525" marB="0" anchor="ctr">
+                    <a:lnL w="12700" cap="flat" cmpd="sng" algn="ctr">
+                      <a:solidFill>
+                        <a:schemeClr val="bg1">
+                          <a:lumMod val="50000"/>
+                        </a:schemeClr>
+                      </a:solidFill>
+                      <a:prstDash val="solid"/>
+                      <a:round/>
+                      <a:headEnd type="none" w="med" len="med"/>
+                      <a:tailEnd type="none" w="med" len="med"/>
+                    </a:lnL>
+                    <a:lnR w="12700" cap="flat" cmpd="sng" algn="ctr">
+                      <a:solidFill>
+                        <a:schemeClr val="bg1">
+                          <a:lumMod val="50000"/>
+                        </a:schemeClr>
+                      </a:solidFill>
+                      <a:prstDash val="solid"/>
+                      <a:round/>
+                      <a:headEnd type="none" w="med" len="med"/>
+                      <a:tailEnd type="none" w="med" len="med"/>
+                    </a:lnR>
+                    <a:lnT>
+                      <a:noFill/>
+                    </a:lnT>
+                    <a:lnB w="12700" cap="flat" cmpd="sng" algn="ctr">
+                      <a:solidFill>
+                        <a:schemeClr val="bg1">
+                          <a:lumMod val="50000"/>
+                        </a:schemeClr>
+                      </a:solidFill>
+                      <a:prstDash val="solid"/>
+                      <a:round/>
+                      <a:headEnd type="none" w="med" len="med"/>
+                      <a:tailEnd type="none" w="med" len="med"/>
+                    </a:lnB>
+                    <a:solidFill>
+                      <a:schemeClr val="bg1">
+                        <a:lumMod val="95000"/>
+                      </a:schemeClr>
+                    </a:solidFill>
+                  </a:tcPr>
+                </a:tc>
+              </a:tr>
+            </a:tbl>
+          </a:graphicData>
+        </a:graphic>
+      </p:graphicFrame>
+      <p:graphicFrame>
+        <p:nvGraphicFramePr>
+          <p:cNvPr id="5" name="表格 4"/>
+          <p:cNvGraphicFramePr>
+            <a:graphicFrameLocks noGrp="1"/>
+          </p:cNvGraphicFramePr>
+          <p:nvPr>
+            <p:extLst>
+              <p:ext uri="{D42A27DB-BD31-4B8C-83A1-F6EECF244321}">
+                <p14:modId xmlns:p14="http://schemas.microsoft.com/office/powerpoint/2010/main" val="1184711520"/>
+              </p:ext>
+            </p:extLst>
+          </p:nvPr>
+        </p:nvGraphicFramePr>
+        <p:xfrm>
+          <a:off x="1736337" y="4212570"/>
+          <a:ext cx="1440000" cy="1152000"/>
+        </p:xfrm>
+        <a:graphic>
+          <a:graphicData uri="http://schemas.openxmlformats.org/drawingml/2006/table">
+            <a:tbl>
+              <a:tblPr>
+                <a:tableStyleId>{5C22544A-7EE6-4342-B048-85BDC9FD1C3A}</a:tableStyleId>
+              </a:tblPr>
+              <a:tblGrid>
+                <a:gridCol w="1440000"/>
+              </a:tblGrid>
+              <a:tr h="192000">
+                <a:tc>
+                  <a:txBody>
+                    <a:bodyPr/>
+                    <a:lstStyle/>
+                    <a:p>
+                      <a:pPr algn="ctr" fontAlgn="ctr"/>
+                      <a:r>
+                        <a:rPr lang="en-GB" sz="1100" b="1" u="none" strike="noStrike" dirty="0">
+                          <a:effectLst/>
+                          <a:latin typeface="+mj-lt"/>
+                        </a:rPr>
+                        <a:t>User</a:t>
+                      </a:r>
+                      <a:endParaRPr lang="en-GB" sz="1100" b="1" i="0" u="none" strike="noStrike" dirty="0">
+                        <a:solidFill>
+                          <a:srgbClr val="000000"/>
+                        </a:solidFill>
+                        <a:effectLst/>
+                        <a:latin typeface="+mj-lt"/>
+                      </a:endParaRPr>
+                    </a:p>
+                  </a:txBody>
+                  <a:tcPr marL="9525" marR="9525" marT="9525" marB="0" anchor="ctr">
+                    <a:lnL w="12700" cap="flat" cmpd="sng" algn="ctr">
+                      <a:solidFill>
+                        <a:schemeClr val="bg1">
+                          <a:lumMod val="50000"/>
+                        </a:schemeClr>
+                      </a:solidFill>
+                      <a:prstDash val="solid"/>
+                      <a:round/>
+                      <a:headEnd type="none" w="med" len="med"/>
+                      <a:tailEnd type="none" w="med" len="med"/>
+                    </a:lnL>
+                    <a:lnR w="12700" cap="flat" cmpd="sng" algn="ctr">
+                      <a:solidFill>
+                        <a:schemeClr val="bg1">
+                          <a:lumMod val="50000"/>
+                        </a:schemeClr>
+                      </a:solidFill>
+                      <a:prstDash val="solid"/>
+                      <a:round/>
+                      <a:headEnd type="none" w="med" len="med"/>
+                      <a:tailEnd type="none" w="med" len="med"/>
+                    </a:lnR>
+                    <a:lnT w="12700" cap="flat" cmpd="sng" algn="ctr">
+                      <a:solidFill>
+                        <a:schemeClr val="bg1">
+                          <a:lumMod val="50000"/>
+                        </a:schemeClr>
+                      </a:solidFill>
+                      <a:prstDash val="solid"/>
+                      <a:round/>
+                      <a:headEnd type="none" w="med" len="med"/>
+                      <a:tailEnd type="none" w="med" len="med"/>
+                    </a:lnT>
+                    <a:lnB w="12700" cap="flat" cmpd="sng" algn="ctr">
+                      <a:solidFill>
+                        <a:schemeClr val="bg1">
+                          <a:lumMod val="50000"/>
+                        </a:schemeClr>
+                      </a:solidFill>
+                      <a:prstDash val="solid"/>
+                      <a:round/>
+                      <a:headEnd type="none" w="med" len="med"/>
+                      <a:tailEnd type="none" w="med" len="med"/>
+                    </a:lnB>
+                    <a:solidFill>
+                      <a:schemeClr val="bg1">
+                        <a:lumMod val="85000"/>
+                      </a:schemeClr>
+                    </a:solidFill>
+                  </a:tcPr>
+                </a:tc>
+              </a:tr>
+              <a:tr h="192000">
+                <a:tc>
+                  <a:txBody>
+                    <a:bodyPr/>
+                    <a:lstStyle/>
+                    <a:p>
+                      <a:pPr algn="ctr" fontAlgn="ctr"/>
+                      <a:r>
+                        <a:rPr lang="en-GB" sz="1100" u="none" strike="noStrike" dirty="0" err="1">
+                          <a:effectLst/>
+                          <a:latin typeface="+mj-lt"/>
+                        </a:rPr>
+                        <a:t>user_id</a:t>
+                      </a:r>
+                      <a:endParaRPr lang="en-GB" sz="1100" b="0" i="0" u="none" strike="noStrike" dirty="0">
+                        <a:solidFill>
+                          <a:srgbClr val="000000"/>
+                        </a:solidFill>
+                        <a:effectLst/>
+                        <a:latin typeface="+mj-lt"/>
+                      </a:endParaRPr>
+                    </a:p>
+                  </a:txBody>
+                  <a:tcPr marL="9525" marR="9525" marT="9525" marB="0" anchor="ctr">
+                    <a:lnL w="12700" cap="flat" cmpd="sng" algn="ctr">
+                      <a:solidFill>
+                        <a:schemeClr val="bg1">
+                          <a:lumMod val="50000"/>
+                        </a:schemeClr>
+                      </a:solidFill>
+                      <a:prstDash val="solid"/>
+                      <a:round/>
+                      <a:headEnd type="none" w="med" len="med"/>
+                      <a:tailEnd type="none" w="med" len="med"/>
+                    </a:lnL>
+                    <a:lnR w="12700" cap="flat" cmpd="sng" algn="ctr">
+                      <a:solidFill>
+                        <a:schemeClr val="bg1">
+                          <a:lumMod val="50000"/>
+                        </a:schemeClr>
+                      </a:solidFill>
+                      <a:prstDash val="solid"/>
+                      <a:round/>
+                      <a:headEnd type="none" w="med" len="med"/>
+                      <a:tailEnd type="none" w="med" len="med"/>
+                    </a:lnR>
+                    <a:lnT w="12700" cap="flat" cmpd="sng" algn="ctr">
+                      <a:solidFill>
+                        <a:schemeClr val="bg1">
+                          <a:lumMod val="50000"/>
+                        </a:schemeClr>
+                      </a:solidFill>
+                      <a:prstDash val="solid"/>
+                      <a:round/>
+                      <a:headEnd type="none" w="med" len="med"/>
+                      <a:tailEnd type="none" w="med" len="med"/>
+                    </a:lnT>
+                    <a:solidFill>
+                      <a:schemeClr val="bg1">
+                        <a:lumMod val="95000"/>
+                      </a:schemeClr>
+                    </a:solidFill>
+                  </a:tcPr>
+                </a:tc>
+              </a:tr>
+              <a:tr h="192000">
+                <a:tc>
+                  <a:txBody>
+                    <a:bodyPr/>
+                    <a:lstStyle/>
+                    <a:p>
+                      <a:pPr algn="ctr" fontAlgn="ctr"/>
+                      <a:r>
+                        <a:rPr lang="en-GB" sz="1100" u="none" strike="noStrike" dirty="0">
+                          <a:effectLst/>
+                          <a:latin typeface="+mj-lt"/>
+                        </a:rPr>
+                        <a:t>city</a:t>
+                      </a:r>
+                      <a:endParaRPr lang="en-GB" sz="1100" b="0" i="0" u="none" strike="noStrike" dirty="0">
+                        <a:solidFill>
+                          <a:srgbClr val="000000"/>
+                        </a:solidFill>
+                        <a:effectLst/>
+                        <a:latin typeface="+mj-lt"/>
+                      </a:endParaRPr>
+                    </a:p>
+                  </a:txBody>
+                  <a:tcPr marL="9525" marR="9525" marT="9525" marB="0" anchor="ctr">
+                    <a:lnL w="12700" cap="flat" cmpd="sng" algn="ctr">
+                      <a:solidFill>
+                        <a:schemeClr val="bg1">
+                          <a:lumMod val="50000"/>
+                        </a:schemeClr>
+                      </a:solidFill>
+                      <a:prstDash val="solid"/>
+                      <a:round/>
+                      <a:headEnd type="none" w="med" len="med"/>
+                      <a:tailEnd type="none" w="med" len="med"/>
+                    </a:lnL>
+                    <a:lnR w="12700" cap="flat" cmpd="sng" algn="ctr">
+                      <a:solidFill>
+                        <a:schemeClr val="bg1">
+                          <a:lumMod val="50000"/>
+                        </a:schemeClr>
+                      </a:solidFill>
+                      <a:prstDash val="solid"/>
+                      <a:round/>
+                      <a:headEnd type="none" w="med" len="med"/>
+                      <a:tailEnd type="none" w="med" len="med"/>
+                    </a:lnR>
+                    <a:solidFill>
+                      <a:schemeClr val="bg1">
+                        <a:lumMod val="95000"/>
+                      </a:schemeClr>
+                    </a:solidFill>
+                  </a:tcPr>
+                </a:tc>
+              </a:tr>
+              <a:tr h="192000">
+                <a:tc>
+                  <a:txBody>
+                    <a:bodyPr/>
+                    <a:lstStyle/>
+                    <a:p>
+                      <a:pPr algn="ctr" fontAlgn="ctr"/>
+                      <a:r>
+                        <a:rPr lang="en-GB" sz="1100" u="none" strike="noStrike" dirty="0">
+                          <a:effectLst/>
+                          <a:latin typeface="+mj-lt"/>
+                        </a:rPr>
+                        <a:t>country</a:t>
+                      </a:r>
+                      <a:endParaRPr lang="en-GB" sz="1100" b="0" i="0" u="none" strike="noStrike" dirty="0">
+                        <a:solidFill>
+                          <a:srgbClr val="000000"/>
+                        </a:solidFill>
+                        <a:effectLst/>
+                        <a:latin typeface="+mj-lt"/>
+                      </a:endParaRPr>
+                    </a:p>
+                  </a:txBody>
+                  <a:tcPr marL="9525" marR="9525" marT="9525" marB="0" anchor="ctr">
+                    <a:lnL w="12700" cap="flat" cmpd="sng" algn="ctr">
+                      <a:solidFill>
+                        <a:schemeClr val="bg1">
+                          <a:lumMod val="50000"/>
+                        </a:schemeClr>
+                      </a:solidFill>
+                      <a:prstDash val="solid"/>
+                      <a:round/>
+                      <a:headEnd type="none" w="med" len="med"/>
+                      <a:tailEnd type="none" w="med" len="med"/>
+                    </a:lnL>
+                    <a:lnR w="12700" cap="flat" cmpd="sng" algn="ctr">
+                      <a:solidFill>
+                        <a:schemeClr val="bg1">
+                          <a:lumMod val="50000"/>
+                        </a:schemeClr>
+                      </a:solidFill>
+                      <a:prstDash val="solid"/>
+                      <a:round/>
+                      <a:headEnd type="none" w="med" len="med"/>
+                      <a:tailEnd type="none" w="med" len="med"/>
+                    </a:lnR>
+                    <a:solidFill>
+                      <a:schemeClr val="bg1">
+                        <a:lumMod val="95000"/>
+                      </a:schemeClr>
+                    </a:solidFill>
+                  </a:tcPr>
+                </a:tc>
+              </a:tr>
+              <a:tr h="192000">
+                <a:tc>
+                  <a:txBody>
+                    <a:bodyPr/>
+                    <a:lstStyle/>
+                    <a:p>
+                      <a:pPr algn="ctr" fontAlgn="ctr"/>
+                      <a:r>
+                        <a:rPr lang="en-GB" sz="1100" u="none" strike="noStrike" dirty="0">
+                          <a:effectLst/>
+                          <a:latin typeface="+mj-lt"/>
+                        </a:rPr>
+                        <a:t>hometown</a:t>
+                      </a:r>
+                      <a:endParaRPr lang="en-GB" sz="1100" b="0" i="0" u="none" strike="noStrike" dirty="0">
+                        <a:solidFill>
+                          <a:srgbClr val="000000"/>
+                        </a:solidFill>
+                        <a:effectLst/>
+                        <a:latin typeface="+mj-lt"/>
+                      </a:endParaRPr>
+                    </a:p>
+                  </a:txBody>
+                  <a:tcPr marL="9525" marR="9525" marT="9525" marB="0" anchor="ctr">
+                    <a:lnL w="12700" cap="flat" cmpd="sng" algn="ctr">
+                      <a:solidFill>
+                        <a:schemeClr val="bg1">
+                          <a:lumMod val="50000"/>
+                        </a:schemeClr>
+                      </a:solidFill>
+                      <a:prstDash val="solid"/>
+                      <a:round/>
+                      <a:headEnd type="none" w="med" len="med"/>
+                      <a:tailEnd type="none" w="med" len="med"/>
+                    </a:lnL>
+                    <a:lnR w="12700" cap="flat" cmpd="sng" algn="ctr">
+                      <a:solidFill>
+                        <a:schemeClr val="bg1">
+                          <a:lumMod val="50000"/>
+                        </a:schemeClr>
+                      </a:solidFill>
+                      <a:prstDash val="solid"/>
+                      <a:round/>
+                      <a:headEnd type="none" w="med" len="med"/>
+                      <a:tailEnd type="none" w="med" len="med"/>
+                    </a:lnR>
+                    <a:solidFill>
+                      <a:schemeClr val="bg1">
+                        <a:lumMod val="95000"/>
+                      </a:schemeClr>
+                    </a:solidFill>
+                  </a:tcPr>
+                </a:tc>
+              </a:tr>
+              <a:tr h="192000">
+                <a:tc>
+                  <a:txBody>
+                    <a:bodyPr/>
+                    <a:lstStyle/>
+                    <a:p>
+                      <a:pPr algn="ctr" fontAlgn="ctr"/>
+                      <a:r>
+                        <a:rPr lang="en-GB" sz="1100" u="none" strike="noStrike" dirty="0">
+                          <a:effectLst/>
+                          <a:latin typeface="+mj-lt"/>
+                        </a:rPr>
+                        <a:t>memberships</a:t>
+                      </a:r>
+                      <a:endParaRPr lang="en-GB" sz="1100" b="0" i="0" u="none" strike="noStrike" dirty="0">
+                        <a:solidFill>
+                          <a:srgbClr val="000000"/>
+                        </a:solidFill>
+                        <a:effectLst/>
+                        <a:latin typeface="+mj-lt"/>
+                      </a:endParaRPr>
+                    </a:p>
+                  </a:txBody>
+                  <a:tcPr marL="9525" marR="9525" marT="9525" marB="0" anchor="ctr">
+                    <a:lnL w="12700" cap="flat" cmpd="sng" algn="ctr">
+                      <a:solidFill>
+                        <a:schemeClr val="bg1">
+                          <a:lumMod val="50000"/>
+                        </a:schemeClr>
+                      </a:solidFill>
+                      <a:prstDash val="solid"/>
+                      <a:round/>
+                      <a:headEnd type="none" w="med" len="med"/>
+                      <a:tailEnd type="none" w="med" len="med"/>
+                    </a:lnL>
+                    <a:lnR w="12700" cap="flat" cmpd="sng" algn="ctr">
+                      <a:solidFill>
+                        <a:schemeClr val="bg1">
+                          <a:lumMod val="50000"/>
+                        </a:schemeClr>
+                      </a:solidFill>
+                      <a:prstDash val="solid"/>
+                      <a:round/>
+                      <a:headEnd type="none" w="med" len="med"/>
+                      <a:tailEnd type="none" w="med" len="med"/>
+                    </a:lnR>
+                    <a:lnB w="12700" cap="flat" cmpd="sng" algn="ctr">
+                      <a:solidFill>
+                        <a:schemeClr val="bg1">
+                          <a:lumMod val="50000"/>
+                        </a:schemeClr>
+                      </a:solidFill>
+                      <a:prstDash val="solid"/>
+                      <a:round/>
+                      <a:headEnd type="none" w="med" len="med"/>
+                      <a:tailEnd type="none" w="med" len="med"/>
+                    </a:lnB>
+                    <a:solidFill>
+                      <a:schemeClr val="bg1">
+                        <a:lumMod val="95000"/>
+                      </a:schemeClr>
+                    </a:solidFill>
+                  </a:tcPr>
+                </a:tc>
+              </a:tr>
+            </a:tbl>
+          </a:graphicData>
+        </a:graphic>
+      </p:graphicFrame>
+      <p:graphicFrame>
+        <p:nvGraphicFramePr>
+          <p:cNvPr id="6" name="表格 5"/>
+          <p:cNvGraphicFramePr>
+            <a:graphicFrameLocks noGrp="1"/>
+          </p:cNvGraphicFramePr>
+          <p:nvPr>
+            <p:extLst>
+              <p:ext uri="{D42A27DB-BD31-4B8C-83A1-F6EECF244321}">
+                <p14:modId xmlns:p14="http://schemas.microsoft.com/office/powerpoint/2010/main" val="2997267360"/>
+              </p:ext>
+            </p:extLst>
+          </p:nvPr>
+        </p:nvGraphicFramePr>
+        <p:xfrm>
+          <a:off x="4454833" y="1321309"/>
+          <a:ext cx="1440000" cy="1944000"/>
+        </p:xfrm>
+        <a:graphic>
+          <a:graphicData uri="http://schemas.openxmlformats.org/drawingml/2006/table">
+            <a:tbl>
+              <a:tblPr>
+                <a:tableStyleId>{5C22544A-7EE6-4342-B048-85BDC9FD1C3A}</a:tableStyleId>
+              </a:tblPr>
+              <a:tblGrid>
+                <a:gridCol w="1440000"/>
+              </a:tblGrid>
+              <a:tr h="194400">
+                <a:tc>
+                  <a:txBody>
+                    <a:bodyPr/>
+                    <a:lstStyle/>
+                    <a:p>
+                      <a:pPr algn="ctr" fontAlgn="ctr"/>
+                      <a:r>
+                        <a:rPr lang="en-GB" sz="1100" b="1" u="none" strike="noStrike" dirty="0">
+                          <a:effectLst/>
+                          <a:latin typeface="+mj-lt"/>
+                        </a:rPr>
+                        <a:t>Group</a:t>
+                      </a:r>
+                      <a:endParaRPr lang="en-GB" sz="1100" b="1" i="0" u="none" strike="noStrike" dirty="0">
+                        <a:solidFill>
+                          <a:srgbClr val="000000"/>
+                        </a:solidFill>
+                        <a:effectLst/>
+                        <a:latin typeface="+mj-lt"/>
+                      </a:endParaRPr>
+                    </a:p>
+                  </a:txBody>
+                  <a:tcPr marL="9525" marR="9525" marT="9525" marB="0" anchor="ctr">
+                    <a:lnL w="12700" cap="flat" cmpd="sng" algn="ctr">
+                      <a:solidFill>
+                        <a:schemeClr val="bg1">
+                          <a:lumMod val="50000"/>
+                        </a:schemeClr>
+                      </a:solidFill>
+                      <a:prstDash val="solid"/>
+                      <a:round/>
+                      <a:headEnd type="none" w="med" len="med"/>
+                      <a:tailEnd type="none" w="med" len="med"/>
+                    </a:lnL>
+                    <a:lnR w="12700" cap="flat" cmpd="sng" algn="ctr">
+                      <a:solidFill>
+                        <a:schemeClr val="bg1">
+                          <a:lumMod val="50000"/>
+                        </a:schemeClr>
+                      </a:solidFill>
+                      <a:prstDash val="solid"/>
+                      <a:round/>
+                      <a:headEnd type="none" w="med" len="med"/>
+                      <a:tailEnd type="none" w="med" len="med"/>
+                    </a:lnR>
+                    <a:lnT w="12700" cap="flat" cmpd="sng" algn="ctr">
+                      <a:solidFill>
+                        <a:schemeClr val="bg1">
+                          <a:lumMod val="50000"/>
+                        </a:schemeClr>
+                      </a:solidFill>
+                      <a:prstDash val="solid"/>
+                      <a:round/>
+                      <a:headEnd type="none" w="med" len="med"/>
+                      <a:tailEnd type="none" w="med" len="med"/>
+                    </a:lnT>
+                    <a:lnB w="12700" cap="flat" cmpd="sng" algn="ctr">
+                      <a:solidFill>
+                        <a:schemeClr val="bg1">
+                          <a:lumMod val="50000"/>
+                        </a:schemeClr>
+                      </a:solidFill>
+                      <a:prstDash val="solid"/>
+                      <a:round/>
+                      <a:headEnd type="none" w="med" len="med"/>
+                      <a:tailEnd type="none" w="med" len="med"/>
+                    </a:lnB>
+                    <a:solidFill>
+                      <a:schemeClr val="bg1">
+                        <a:lumMod val="85000"/>
+                      </a:schemeClr>
+                    </a:solidFill>
+                  </a:tcPr>
+                </a:tc>
+              </a:tr>
+              <a:tr h="194400">
+                <a:tc>
+                  <a:txBody>
+                    <a:bodyPr/>
+                    <a:lstStyle/>
+                    <a:p>
+                      <a:pPr algn="ctr" fontAlgn="ctr"/>
+                      <a:r>
+                        <a:rPr lang="en-GB" sz="1100" u="none" strike="noStrike" dirty="0">
+                          <a:effectLst/>
+                          <a:latin typeface="+mj-lt"/>
+                        </a:rPr>
+                        <a:t>city</a:t>
+                      </a:r>
+                      <a:endParaRPr lang="en-GB" sz="1100" b="0" i="0" u="none" strike="noStrike" dirty="0">
+                        <a:solidFill>
+                          <a:srgbClr val="000000"/>
+                        </a:solidFill>
+                        <a:effectLst/>
+                        <a:latin typeface="+mj-lt"/>
+                      </a:endParaRPr>
+                    </a:p>
+                  </a:txBody>
+                  <a:tcPr marL="9525" marR="9525" marT="9525" marB="0" anchor="ctr">
+                    <a:lnL w="12700" cap="flat" cmpd="sng" algn="ctr">
+                      <a:solidFill>
+                        <a:schemeClr val="bg1">
+                          <a:lumMod val="50000"/>
+                        </a:schemeClr>
+                      </a:solidFill>
+                      <a:prstDash val="solid"/>
+                      <a:round/>
+                      <a:headEnd type="none" w="med" len="med"/>
+                      <a:tailEnd type="none" w="med" len="med"/>
+                    </a:lnL>
+                    <a:lnR w="12700" cap="flat" cmpd="sng" algn="ctr">
+                      <a:solidFill>
+                        <a:schemeClr val="bg1">
+                          <a:lumMod val="50000"/>
+                        </a:schemeClr>
+                      </a:solidFill>
+                      <a:prstDash val="solid"/>
+                      <a:round/>
+                      <a:headEnd type="none" w="med" len="med"/>
+                      <a:tailEnd type="none" w="med" len="med"/>
+                    </a:lnR>
+                    <a:lnT w="12700" cap="flat" cmpd="sng" algn="ctr">
+                      <a:solidFill>
+                        <a:schemeClr val="bg1">
+                          <a:lumMod val="50000"/>
+                        </a:schemeClr>
+                      </a:solidFill>
+                      <a:prstDash val="solid"/>
+                      <a:round/>
+                      <a:headEnd type="none" w="med" len="med"/>
+                      <a:tailEnd type="none" w="med" len="med"/>
+                    </a:lnT>
+                    <a:solidFill>
+                      <a:schemeClr val="bg1">
+                        <a:lumMod val="95000"/>
+                      </a:schemeClr>
+                    </a:solidFill>
+                  </a:tcPr>
+                </a:tc>
+              </a:tr>
+              <a:tr h="194400">
+                <a:tc>
+                  <a:txBody>
+                    <a:bodyPr/>
+                    <a:lstStyle/>
+                    <a:p>
+                      <a:pPr algn="ctr" fontAlgn="ctr"/>
+                      <a:r>
+                        <a:rPr lang="en-GB" sz="1100" u="none" strike="noStrike" dirty="0">
+                          <a:effectLst/>
+                          <a:latin typeface="+mj-lt"/>
+                        </a:rPr>
+                        <a:t>created</a:t>
+                      </a:r>
+                      <a:endParaRPr lang="en-GB" sz="1100" b="0" i="0" u="none" strike="noStrike" dirty="0">
+                        <a:solidFill>
+                          <a:srgbClr val="000000"/>
+                        </a:solidFill>
+                        <a:effectLst/>
+                        <a:latin typeface="+mj-lt"/>
+                      </a:endParaRPr>
+                    </a:p>
+                  </a:txBody>
+                  <a:tcPr marL="9525" marR="9525" marT="9525" marB="0" anchor="ctr">
+                    <a:lnL w="12700" cap="flat" cmpd="sng" algn="ctr">
+                      <a:solidFill>
+                        <a:schemeClr val="bg1">
+                          <a:lumMod val="50000"/>
+                        </a:schemeClr>
+                      </a:solidFill>
+                      <a:prstDash val="solid"/>
+                      <a:round/>
+                      <a:headEnd type="none" w="med" len="med"/>
+                      <a:tailEnd type="none" w="med" len="med"/>
+                    </a:lnL>
+                    <a:lnR w="12700" cap="flat" cmpd="sng" algn="ctr">
+                      <a:solidFill>
+                        <a:schemeClr val="bg1">
+                          <a:lumMod val="50000"/>
+                        </a:schemeClr>
+                      </a:solidFill>
+                      <a:prstDash val="solid"/>
+                      <a:round/>
+                      <a:headEnd type="none" w="med" len="med"/>
+                      <a:tailEnd type="none" w="med" len="med"/>
+                    </a:lnR>
+                    <a:solidFill>
+                      <a:schemeClr val="bg1">
+                        <a:lumMod val="95000"/>
+                      </a:schemeClr>
+                    </a:solidFill>
+                  </a:tcPr>
+                </a:tc>
+              </a:tr>
+              <a:tr h="194400">
+                <a:tc>
+                  <a:txBody>
+                    <a:bodyPr/>
+                    <a:lstStyle/>
+                    <a:p>
+                      <a:pPr algn="ctr" fontAlgn="ctr"/>
+                      <a:r>
+                        <a:rPr lang="en-GB" sz="1100" u="none" strike="noStrike" dirty="0">
+                          <a:effectLst/>
+                          <a:latin typeface="+mj-lt"/>
+                        </a:rPr>
+                        <a:t>description</a:t>
+                      </a:r>
+                      <a:endParaRPr lang="en-GB" sz="1100" b="0" i="0" u="none" strike="noStrike" dirty="0">
+                        <a:solidFill>
+                          <a:srgbClr val="000000"/>
+                        </a:solidFill>
+                        <a:effectLst/>
+                        <a:latin typeface="+mj-lt"/>
+                      </a:endParaRPr>
+                    </a:p>
+                  </a:txBody>
+                  <a:tcPr marL="9525" marR="9525" marT="9525" marB="0" anchor="ctr">
+                    <a:lnL w="12700" cap="flat" cmpd="sng" algn="ctr">
+                      <a:solidFill>
+                        <a:schemeClr val="bg1">
+                          <a:lumMod val="50000"/>
+                        </a:schemeClr>
+                      </a:solidFill>
+                      <a:prstDash val="solid"/>
+                      <a:round/>
+                      <a:headEnd type="none" w="med" len="med"/>
+                      <a:tailEnd type="none" w="med" len="med"/>
+                    </a:lnL>
+                    <a:lnR w="12700" cap="flat" cmpd="sng" algn="ctr">
+                      <a:solidFill>
+                        <a:schemeClr val="bg1">
+                          <a:lumMod val="50000"/>
+                        </a:schemeClr>
+                      </a:solidFill>
+                      <a:prstDash val="solid"/>
+                      <a:round/>
+                      <a:headEnd type="none" w="med" len="med"/>
+                      <a:tailEnd type="none" w="med" len="med"/>
+                    </a:lnR>
+                    <a:solidFill>
+                      <a:schemeClr val="bg1">
+                        <a:lumMod val="95000"/>
+                      </a:schemeClr>
+                    </a:solidFill>
+                  </a:tcPr>
+                </a:tc>
+              </a:tr>
+              <a:tr h="194400">
+                <a:tc>
+                  <a:txBody>
+                    <a:bodyPr/>
+                    <a:lstStyle/>
+                    <a:p>
+                      <a:pPr algn="ctr" fontAlgn="ctr"/>
+                      <a:r>
+                        <a:rPr lang="en-GB" sz="1100" u="none" strike="noStrike" dirty="0">
+                          <a:effectLst/>
+                          <a:latin typeface="+mj-lt"/>
+                        </a:rPr>
+                        <a:t>name</a:t>
+                      </a:r>
+                      <a:endParaRPr lang="en-GB" sz="1100" b="0" i="0" u="none" strike="noStrike" dirty="0">
+                        <a:solidFill>
+                          <a:srgbClr val="000000"/>
+                        </a:solidFill>
+                        <a:effectLst/>
+                        <a:latin typeface="+mj-lt"/>
+                      </a:endParaRPr>
+                    </a:p>
+                  </a:txBody>
+                  <a:tcPr marL="9525" marR="9525" marT="9525" marB="0" anchor="ctr">
+                    <a:lnL w="12700" cap="flat" cmpd="sng" algn="ctr">
+                      <a:solidFill>
+                        <a:schemeClr val="bg1">
+                          <a:lumMod val="50000"/>
+                        </a:schemeClr>
+                      </a:solidFill>
+                      <a:prstDash val="solid"/>
+                      <a:round/>
+                      <a:headEnd type="none" w="med" len="med"/>
+                      <a:tailEnd type="none" w="med" len="med"/>
+                    </a:lnL>
+                    <a:lnR w="12700" cap="flat" cmpd="sng" algn="ctr">
+                      <a:solidFill>
+                        <a:schemeClr val="bg1">
+                          <a:lumMod val="50000"/>
+                        </a:schemeClr>
+                      </a:solidFill>
+                      <a:prstDash val="solid"/>
+                      <a:round/>
+                      <a:headEnd type="none" w="med" len="med"/>
+                      <a:tailEnd type="none" w="med" len="med"/>
+                    </a:lnR>
+                    <a:solidFill>
+                      <a:schemeClr val="bg1">
+                        <a:lumMod val="95000"/>
+                      </a:schemeClr>
+                    </a:solidFill>
+                  </a:tcPr>
+                </a:tc>
+              </a:tr>
+              <a:tr h="194400">
+                <a:tc>
+                  <a:txBody>
+                    <a:bodyPr/>
+                    <a:lstStyle/>
+                    <a:p>
+                      <a:pPr algn="ctr" fontAlgn="ctr"/>
+                      <a:r>
+                        <a:rPr lang="en-GB" sz="1100" u="none" strike="noStrike" dirty="0" err="1">
+                          <a:effectLst/>
+                          <a:latin typeface="+mj-lt"/>
+                        </a:rPr>
+                        <a:t>lat</a:t>
+                      </a:r>
+                      <a:endParaRPr lang="en-GB" sz="1100" b="0" i="0" u="none" strike="noStrike" dirty="0">
+                        <a:solidFill>
+                          <a:srgbClr val="000000"/>
+                        </a:solidFill>
+                        <a:effectLst/>
+                        <a:latin typeface="+mj-lt"/>
+                      </a:endParaRPr>
+                    </a:p>
+                  </a:txBody>
+                  <a:tcPr marL="9525" marR="9525" marT="9525" marB="0" anchor="ctr">
+                    <a:lnL w="12700" cap="flat" cmpd="sng" algn="ctr">
+                      <a:solidFill>
+                        <a:schemeClr val="bg1">
+                          <a:lumMod val="50000"/>
+                        </a:schemeClr>
+                      </a:solidFill>
+                      <a:prstDash val="solid"/>
+                      <a:round/>
+                      <a:headEnd type="none" w="med" len="med"/>
+                      <a:tailEnd type="none" w="med" len="med"/>
+                    </a:lnL>
+                    <a:lnR w="12700" cap="flat" cmpd="sng" algn="ctr">
+                      <a:solidFill>
+                        <a:schemeClr val="bg1">
+                          <a:lumMod val="50000"/>
+                        </a:schemeClr>
+                      </a:solidFill>
+                      <a:prstDash val="solid"/>
+                      <a:round/>
+                      <a:headEnd type="none" w="med" len="med"/>
+                      <a:tailEnd type="none" w="med" len="med"/>
+                    </a:lnR>
+                    <a:solidFill>
+                      <a:schemeClr val="bg1">
+                        <a:lumMod val="95000"/>
+                      </a:schemeClr>
+                    </a:solidFill>
+                  </a:tcPr>
+                </a:tc>
+              </a:tr>
+              <a:tr h="194400">
+                <a:tc>
+                  <a:txBody>
+                    <a:bodyPr/>
+                    <a:lstStyle/>
+                    <a:p>
+                      <a:pPr algn="ctr" fontAlgn="ctr"/>
+                      <a:r>
+                        <a:rPr lang="en-GB" sz="1100" u="none" strike="noStrike" dirty="0" err="1">
+                          <a:effectLst/>
+                          <a:latin typeface="+mj-lt"/>
+                        </a:rPr>
+                        <a:t>lon</a:t>
+                      </a:r>
+                      <a:endParaRPr lang="en-GB" sz="1100" b="0" i="0" u="none" strike="noStrike" dirty="0">
+                        <a:solidFill>
+                          <a:srgbClr val="000000"/>
+                        </a:solidFill>
+                        <a:effectLst/>
+                        <a:latin typeface="+mj-lt"/>
+                      </a:endParaRPr>
+                    </a:p>
+                  </a:txBody>
+                  <a:tcPr marL="9525" marR="9525" marT="9525" marB="0" anchor="ctr">
+                    <a:lnL w="12700" cap="flat" cmpd="sng" algn="ctr">
+                      <a:solidFill>
+                        <a:schemeClr val="bg1">
+                          <a:lumMod val="50000"/>
+                        </a:schemeClr>
+                      </a:solidFill>
+                      <a:prstDash val="solid"/>
+                      <a:round/>
+                      <a:headEnd type="none" w="med" len="med"/>
+                      <a:tailEnd type="none" w="med" len="med"/>
+                    </a:lnL>
+                    <a:lnR w="12700" cap="flat" cmpd="sng" algn="ctr">
+                      <a:solidFill>
+                        <a:schemeClr val="bg1">
+                          <a:lumMod val="50000"/>
+                        </a:schemeClr>
+                      </a:solidFill>
+                      <a:prstDash val="solid"/>
+                      <a:round/>
+                      <a:headEnd type="none" w="med" len="med"/>
+                      <a:tailEnd type="none" w="med" len="med"/>
+                    </a:lnR>
+                    <a:solidFill>
+                      <a:schemeClr val="bg1">
+                        <a:lumMod val="95000"/>
+                      </a:schemeClr>
+                    </a:solidFill>
+                  </a:tcPr>
+                </a:tc>
+              </a:tr>
+              <a:tr h="194400">
+                <a:tc>
+                  <a:txBody>
+                    <a:bodyPr/>
+                    <a:lstStyle/>
+                    <a:p>
+                      <a:pPr algn="ctr" fontAlgn="ctr"/>
+                      <a:r>
+                        <a:rPr lang="en-GB" sz="1100" u="none" strike="noStrike" dirty="0">
+                          <a:effectLst/>
+                          <a:latin typeface="+mj-lt"/>
+                        </a:rPr>
+                        <a:t>link</a:t>
+                      </a:r>
+                      <a:endParaRPr lang="en-GB" sz="1100" b="0" i="0" u="none" strike="noStrike" dirty="0">
+                        <a:solidFill>
+                          <a:srgbClr val="000000"/>
+                        </a:solidFill>
+                        <a:effectLst/>
+                        <a:latin typeface="+mj-lt"/>
+                      </a:endParaRPr>
+                    </a:p>
+                  </a:txBody>
+                  <a:tcPr marL="9525" marR="9525" marT="9525" marB="0" anchor="ctr">
+                    <a:lnL w="12700" cap="flat" cmpd="sng" algn="ctr">
+                      <a:solidFill>
+                        <a:schemeClr val="bg1">
+                          <a:lumMod val="50000"/>
+                        </a:schemeClr>
+                      </a:solidFill>
+                      <a:prstDash val="solid"/>
+                      <a:round/>
+                      <a:headEnd type="none" w="med" len="med"/>
+                      <a:tailEnd type="none" w="med" len="med"/>
+                    </a:lnL>
+                    <a:lnR w="12700" cap="flat" cmpd="sng" algn="ctr">
+                      <a:solidFill>
+                        <a:schemeClr val="bg1">
+                          <a:lumMod val="50000"/>
+                        </a:schemeClr>
+                      </a:solidFill>
+                      <a:prstDash val="solid"/>
+                      <a:round/>
+                      <a:headEnd type="none" w="med" len="med"/>
+                      <a:tailEnd type="none" w="med" len="med"/>
+                    </a:lnR>
+                    <a:solidFill>
+                      <a:schemeClr val="bg1">
+                        <a:lumMod val="95000"/>
+                      </a:schemeClr>
+                    </a:solidFill>
+                  </a:tcPr>
+                </a:tc>
+              </a:tr>
+              <a:tr h="194400">
+                <a:tc>
+                  <a:txBody>
+                    <a:bodyPr/>
+                    <a:lstStyle/>
+                    <a:p>
+                      <a:pPr algn="ctr" fontAlgn="ctr"/>
+                      <a:r>
+                        <a:rPr lang="en-GB" sz="1100" u="none" strike="noStrike" dirty="0" err="1">
+                          <a:effectLst/>
+                          <a:latin typeface="+mj-lt"/>
+                        </a:rPr>
+                        <a:t>group_id</a:t>
+                      </a:r>
+                      <a:endParaRPr lang="en-GB" sz="1100" b="0" i="0" u="none" strike="noStrike" dirty="0">
+                        <a:solidFill>
+                          <a:srgbClr val="000000"/>
+                        </a:solidFill>
+                        <a:effectLst/>
+                        <a:latin typeface="+mj-lt"/>
+                      </a:endParaRPr>
+                    </a:p>
+                  </a:txBody>
+                  <a:tcPr marL="9525" marR="9525" marT="9525" marB="0" anchor="ctr">
+                    <a:lnL w="12700" cap="flat" cmpd="sng" algn="ctr">
+                      <a:solidFill>
+                        <a:schemeClr val="bg1">
+                          <a:lumMod val="50000"/>
+                        </a:schemeClr>
+                      </a:solidFill>
+                      <a:prstDash val="solid"/>
+                      <a:round/>
+                      <a:headEnd type="none" w="med" len="med"/>
+                      <a:tailEnd type="none" w="med" len="med"/>
+                    </a:lnL>
+                    <a:lnR w="12700" cap="flat" cmpd="sng" algn="ctr">
+                      <a:solidFill>
+                        <a:schemeClr val="bg1">
+                          <a:lumMod val="50000"/>
+                        </a:schemeClr>
+                      </a:solidFill>
+                      <a:prstDash val="solid"/>
+                      <a:round/>
+                      <a:headEnd type="none" w="med" len="med"/>
+                      <a:tailEnd type="none" w="med" len="med"/>
+                    </a:lnR>
+                    <a:solidFill>
+                      <a:schemeClr val="bg1">
+                        <a:lumMod val="95000"/>
+                      </a:schemeClr>
+                    </a:solidFill>
+                  </a:tcPr>
+                </a:tc>
+              </a:tr>
+              <a:tr h="194400">
+                <a:tc>
+                  <a:txBody>
+                    <a:bodyPr/>
+                    <a:lstStyle/>
+                    <a:p>
+                      <a:pPr algn="ctr" fontAlgn="ctr"/>
+                      <a:r>
+                        <a:rPr lang="en-GB" sz="1100" u="none" strike="noStrike" dirty="0">
+                          <a:effectLst/>
+                          <a:latin typeface="+mj-lt"/>
+                        </a:rPr>
+                        <a:t>topics</a:t>
+                      </a:r>
+                      <a:endParaRPr lang="en-GB" sz="1100" b="0" i="0" u="none" strike="noStrike" dirty="0">
+                        <a:solidFill>
+                          <a:srgbClr val="000000"/>
+                        </a:solidFill>
+                        <a:effectLst/>
+                        <a:latin typeface="+mj-lt"/>
+                      </a:endParaRPr>
+                    </a:p>
+                  </a:txBody>
+                  <a:tcPr marL="9525" marR="9525" marT="9525" marB="0" anchor="ctr">
+                    <a:lnL w="12700" cap="flat" cmpd="sng" algn="ctr">
+                      <a:solidFill>
+                        <a:schemeClr val="bg1">
+                          <a:lumMod val="50000"/>
+                        </a:schemeClr>
+                      </a:solidFill>
+                      <a:prstDash val="solid"/>
+                      <a:round/>
+                      <a:headEnd type="none" w="med" len="med"/>
+                      <a:tailEnd type="none" w="med" len="med"/>
+                    </a:lnL>
+                    <a:lnR w="12700" cap="flat" cmpd="sng" algn="ctr">
+                      <a:solidFill>
+                        <a:schemeClr val="bg1">
+                          <a:lumMod val="50000"/>
+                        </a:schemeClr>
+                      </a:solidFill>
+                      <a:prstDash val="solid"/>
+                      <a:round/>
+                      <a:headEnd type="none" w="med" len="med"/>
+                      <a:tailEnd type="none" w="med" len="med"/>
+                    </a:lnR>
+                    <a:lnB w="12700" cap="flat" cmpd="sng" algn="ctr">
+                      <a:solidFill>
+                        <a:schemeClr val="bg1">
+                          <a:lumMod val="50000"/>
+                        </a:schemeClr>
+                      </a:solidFill>
+                      <a:prstDash val="solid"/>
+                      <a:round/>
+                      <a:headEnd type="none" w="med" len="med"/>
+                      <a:tailEnd type="none" w="med" len="med"/>
+                    </a:lnB>
+                    <a:solidFill>
+                      <a:schemeClr val="bg1">
+                        <a:lumMod val="95000"/>
+                      </a:schemeClr>
+                    </a:solidFill>
+                  </a:tcPr>
+                </a:tc>
+              </a:tr>
+            </a:tbl>
+          </a:graphicData>
+        </a:graphic>
+      </p:graphicFrame>
+      <p:graphicFrame>
+        <p:nvGraphicFramePr>
+          <p:cNvPr id="7" name="表格 6"/>
+          <p:cNvGraphicFramePr>
+            <a:graphicFrameLocks noGrp="1"/>
+          </p:cNvGraphicFramePr>
+          <p:nvPr>
+            <p:extLst>
+              <p:ext uri="{D42A27DB-BD31-4B8C-83A1-F6EECF244321}">
+                <p14:modId xmlns:p14="http://schemas.microsoft.com/office/powerpoint/2010/main" val="1590079144"/>
+              </p:ext>
+            </p:extLst>
+          </p:nvPr>
+        </p:nvGraphicFramePr>
+        <p:xfrm>
+          <a:off x="9476885" y="3658934"/>
+          <a:ext cx="1440000" cy="1372754"/>
+        </p:xfrm>
+        <a:graphic>
+          <a:graphicData uri="http://schemas.openxmlformats.org/drawingml/2006/table">
+            <a:tbl>
+              <a:tblPr>
+                <a:tableStyleId>{5C22544A-7EE6-4342-B048-85BDC9FD1C3A}</a:tableStyleId>
+              </a:tblPr>
+              <a:tblGrid>
+                <a:gridCol w="1440000"/>
+              </a:tblGrid>
+              <a:tr h="200180">
+                <a:tc>
+                  <a:txBody>
+                    <a:bodyPr/>
+                    <a:lstStyle/>
+                    <a:p>
+                      <a:pPr algn="ctr" fontAlgn="ctr"/>
+                      <a:r>
+                        <a:rPr lang="en-GB" sz="1100" b="1" u="none" strike="noStrike" dirty="0">
+                          <a:effectLst/>
+                          <a:latin typeface="+mj-lt"/>
+                        </a:rPr>
+                        <a:t>Venue</a:t>
+                      </a:r>
+                      <a:endParaRPr lang="en-GB" sz="1100" b="1" i="0" u="none" strike="noStrike" dirty="0">
+                        <a:solidFill>
+                          <a:srgbClr val="000000"/>
+                        </a:solidFill>
+                        <a:effectLst/>
+                        <a:latin typeface="+mj-lt"/>
+                      </a:endParaRPr>
+                    </a:p>
+                  </a:txBody>
+                  <a:tcPr marL="9525" marR="9525" marT="9525" marB="0" anchor="ctr">
+                    <a:lnL w="12700" cap="flat" cmpd="sng" algn="ctr">
+                      <a:solidFill>
+                        <a:schemeClr val="bg1">
+                          <a:lumMod val="50000"/>
+                        </a:schemeClr>
+                      </a:solidFill>
+                      <a:prstDash val="solid"/>
+                      <a:round/>
+                      <a:headEnd type="none" w="med" len="med"/>
+                      <a:tailEnd type="none" w="med" len="med"/>
+                    </a:lnL>
+                    <a:lnR w="12700" cap="flat" cmpd="sng" algn="ctr">
+                      <a:solidFill>
+                        <a:schemeClr val="bg1">
+                          <a:lumMod val="50000"/>
+                        </a:schemeClr>
+                      </a:solidFill>
+                      <a:prstDash val="solid"/>
+                      <a:round/>
+                      <a:headEnd type="none" w="med" len="med"/>
+                      <a:tailEnd type="none" w="med" len="med"/>
+                    </a:lnR>
+                    <a:lnT w="12700" cap="flat" cmpd="sng" algn="ctr">
+                      <a:solidFill>
+                        <a:schemeClr val="bg1">
+                          <a:lumMod val="50000"/>
+                        </a:schemeClr>
+                      </a:solidFill>
+                      <a:prstDash val="solid"/>
+                      <a:round/>
+                      <a:headEnd type="none" w="med" len="med"/>
+                      <a:tailEnd type="none" w="med" len="med"/>
+                    </a:lnT>
+                    <a:lnB w="12700" cap="flat" cmpd="sng" algn="ctr">
+                      <a:solidFill>
+                        <a:schemeClr val="bg1">
+                          <a:lumMod val="50000"/>
+                        </a:schemeClr>
+                      </a:solidFill>
+                      <a:prstDash val="solid"/>
+                      <a:round/>
+                      <a:headEnd type="none" w="med" len="med"/>
+                      <a:tailEnd type="none" w="med" len="med"/>
+                    </a:lnB>
+                    <a:solidFill>
+                      <a:schemeClr val="bg1">
+                        <a:lumMod val="85000"/>
+                      </a:schemeClr>
+                    </a:solidFill>
+                  </a:tcPr>
+                </a:tc>
+              </a:tr>
+              <a:tr h="195429">
+                <a:tc>
+                  <a:txBody>
+                    <a:bodyPr/>
+                    <a:lstStyle/>
+                    <a:p>
+                      <a:pPr algn="ctr" fontAlgn="ctr"/>
+                      <a:r>
+                        <a:rPr lang="en-GB" sz="1100" u="none" strike="noStrike" dirty="0" err="1">
+                          <a:effectLst/>
+                          <a:latin typeface="+mj-lt"/>
+                        </a:rPr>
+                        <a:t>venue_id</a:t>
+                      </a:r>
+                      <a:endParaRPr lang="en-GB" sz="1100" b="0" i="0" u="none" strike="noStrike" dirty="0">
+                        <a:solidFill>
+                          <a:srgbClr val="000000"/>
+                        </a:solidFill>
+                        <a:effectLst/>
+                        <a:latin typeface="+mj-lt"/>
+                      </a:endParaRPr>
+                    </a:p>
+                  </a:txBody>
+                  <a:tcPr marL="9525" marR="9525" marT="9525" marB="0" anchor="ctr">
+                    <a:lnL w="12700" cap="flat" cmpd="sng" algn="ctr">
+                      <a:solidFill>
+                        <a:schemeClr val="bg1">
+                          <a:lumMod val="50000"/>
+                        </a:schemeClr>
+                      </a:solidFill>
+                      <a:prstDash val="solid"/>
+                      <a:round/>
+                      <a:headEnd type="none" w="med" len="med"/>
+                      <a:tailEnd type="none" w="med" len="med"/>
+                    </a:lnL>
+                    <a:lnR w="12700" cap="flat" cmpd="sng" algn="ctr">
+                      <a:solidFill>
+                        <a:schemeClr val="bg1">
+                          <a:lumMod val="50000"/>
+                        </a:schemeClr>
+                      </a:solidFill>
+                      <a:prstDash val="solid"/>
+                      <a:round/>
+                      <a:headEnd type="none" w="med" len="med"/>
+                      <a:tailEnd type="none" w="med" len="med"/>
+                    </a:lnR>
+                    <a:lnT w="12700" cap="flat" cmpd="sng" algn="ctr">
+                      <a:solidFill>
+                        <a:schemeClr val="bg1">
+                          <a:lumMod val="50000"/>
+                        </a:schemeClr>
+                      </a:solidFill>
+                      <a:prstDash val="solid"/>
+                      <a:round/>
+                      <a:headEnd type="none" w="med" len="med"/>
+                      <a:tailEnd type="none" w="med" len="med"/>
+                    </a:lnT>
+                    <a:solidFill>
+                      <a:schemeClr val="bg1">
+                        <a:lumMod val="95000"/>
+                      </a:schemeClr>
+                    </a:solidFill>
+                  </a:tcPr>
+                </a:tc>
+              </a:tr>
+              <a:tr h="195429">
+                <a:tc>
+                  <a:txBody>
+                    <a:bodyPr/>
+                    <a:lstStyle/>
+                    <a:p>
+                      <a:pPr algn="ctr" fontAlgn="ctr"/>
+                      <a:r>
+                        <a:rPr lang="en-GB" sz="1100" u="none" strike="noStrike" dirty="0">
+                          <a:effectLst/>
+                          <a:latin typeface="+mj-lt"/>
+                        </a:rPr>
+                        <a:t>name</a:t>
+                      </a:r>
+                      <a:endParaRPr lang="en-GB" sz="1100" b="0" i="0" u="none" strike="noStrike" dirty="0">
+                        <a:solidFill>
+                          <a:srgbClr val="000000"/>
+                        </a:solidFill>
+                        <a:effectLst/>
+                        <a:latin typeface="+mj-lt"/>
+                      </a:endParaRPr>
+                    </a:p>
+                  </a:txBody>
+                  <a:tcPr marL="9525" marR="9525" marT="9525" marB="0" anchor="ctr">
+                    <a:lnL w="12700" cap="flat" cmpd="sng" algn="ctr">
+                      <a:solidFill>
+                        <a:schemeClr val="bg1">
+                          <a:lumMod val="50000"/>
+                        </a:schemeClr>
+                      </a:solidFill>
+                      <a:prstDash val="solid"/>
+                      <a:round/>
+                      <a:headEnd type="none" w="med" len="med"/>
+                      <a:tailEnd type="none" w="med" len="med"/>
+                    </a:lnL>
+                    <a:lnR w="12700" cap="flat" cmpd="sng" algn="ctr">
+                      <a:solidFill>
+                        <a:schemeClr val="bg1">
+                          <a:lumMod val="50000"/>
+                        </a:schemeClr>
+                      </a:solidFill>
+                      <a:prstDash val="solid"/>
+                      <a:round/>
+                      <a:headEnd type="none" w="med" len="med"/>
+                      <a:tailEnd type="none" w="med" len="med"/>
+                    </a:lnR>
+                    <a:solidFill>
+                      <a:schemeClr val="bg1">
+                        <a:lumMod val="95000"/>
+                      </a:schemeClr>
+                    </a:solidFill>
+                  </a:tcPr>
+                </a:tc>
+              </a:tr>
+              <a:tr h="195429">
+                <a:tc>
+                  <a:txBody>
+                    <a:bodyPr/>
+                    <a:lstStyle/>
+                    <a:p>
+                      <a:pPr algn="ctr" fontAlgn="ctr"/>
+                      <a:r>
+                        <a:rPr lang="en-GB" sz="1100" u="none" strike="noStrike" dirty="0">
+                          <a:effectLst/>
+                          <a:latin typeface="+mj-lt"/>
+                        </a:rPr>
+                        <a:t>city</a:t>
+                      </a:r>
+                      <a:endParaRPr lang="en-GB" sz="1100" b="0" i="0" u="none" strike="noStrike" dirty="0">
+                        <a:solidFill>
+                          <a:srgbClr val="000000"/>
+                        </a:solidFill>
+                        <a:effectLst/>
+                        <a:latin typeface="+mj-lt"/>
+                      </a:endParaRPr>
+                    </a:p>
+                  </a:txBody>
+                  <a:tcPr marL="9525" marR="9525" marT="9525" marB="0" anchor="ctr">
+                    <a:lnL w="12700" cap="flat" cmpd="sng" algn="ctr">
+                      <a:solidFill>
+                        <a:schemeClr val="bg1">
+                          <a:lumMod val="50000"/>
+                        </a:schemeClr>
+                      </a:solidFill>
+                      <a:prstDash val="solid"/>
+                      <a:round/>
+                      <a:headEnd type="none" w="med" len="med"/>
+                      <a:tailEnd type="none" w="med" len="med"/>
+                    </a:lnL>
+                    <a:lnR w="12700" cap="flat" cmpd="sng" algn="ctr">
+                      <a:solidFill>
+                        <a:schemeClr val="bg1">
+                          <a:lumMod val="50000"/>
+                        </a:schemeClr>
+                      </a:solidFill>
+                      <a:prstDash val="solid"/>
+                      <a:round/>
+                      <a:headEnd type="none" w="med" len="med"/>
+                      <a:tailEnd type="none" w="med" len="med"/>
+                    </a:lnR>
+                    <a:solidFill>
+                      <a:schemeClr val="bg1">
+                        <a:lumMod val="95000"/>
+                      </a:schemeClr>
+                    </a:solidFill>
+                  </a:tcPr>
+                </a:tc>
+              </a:tr>
+              <a:tr h="195429">
+                <a:tc>
+                  <a:txBody>
+                    <a:bodyPr/>
+                    <a:lstStyle/>
+                    <a:p>
+                      <a:pPr algn="ctr" fontAlgn="ctr"/>
+                      <a:r>
+                        <a:rPr lang="en-GB" sz="1100" u="none" strike="noStrike" dirty="0">
+                          <a:effectLst/>
+                          <a:latin typeface="+mj-lt"/>
+                        </a:rPr>
+                        <a:t>country</a:t>
+                      </a:r>
+                      <a:endParaRPr lang="en-GB" sz="1100" b="0" i="0" u="none" strike="noStrike" dirty="0">
+                        <a:solidFill>
+                          <a:srgbClr val="000000"/>
+                        </a:solidFill>
+                        <a:effectLst/>
+                        <a:latin typeface="+mj-lt"/>
+                      </a:endParaRPr>
+                    </a:p>
+                  </a:txBody>
+                  <a:tcPr marL="9525" marR="9525" marT="9525" marB="0" anchor="ctr">
+                    <a:lnL w="12700" cap="flat" cmpd="sng" algn="ctr">
+                      <a:solidFill>
+                        <a:schemeClr val="bg1">
+                          <a:lumMod val="50000"/>
+                        </a:schemeClr>
+                      </a:solidFill>
+                      <a:prstDash val="solid"/>
+                      <a:round/>
+                      <a:headEnd type="none" w="med" len="med"/>
+                      <a:tailEnd type="none" w="med" len="med"/>
+                    </a:lnL>
+                    <a:lnR w="12700" cap="flat" cmpd="sng" algn="ctr">
+                      <a:solidFill>
+                        <a:schemeClr val="bg1">
+                          <a:lumMod val="50000"/>
+                        </a:schemeClr>
+                      </a:solidFill>
+                      <a:prstDash val="solid"/>
+                      <a:round/>
+                      <a:headEnd type="none" w="med" len="med"/>
+                      <a:tailEnd type="none" w="med" len="med"/>
+                    </a:lnR>
+                    <a:solidFill>
+                      <a:schemeClr val="bg1">
+                        <a:lumMod val="95000"/>
+                      </a:schemeClr>
+                    </a:solidFill>
+                  </a:tcPr>
+                </a:tc>
+              </a:tr>
+              <a:tr h="195429">
+                <a:tc>
+                  <a:txBody>
+                    <a:bodyPr/>
+                    <a:lstStyle/>
+                    <a:p>
+                      <a:pPr algn="ctr" fontAlgn="ctr"/>
+                      <a:r>
+                        <a:rPr lang="en-GB" sz="1100" u="none" strike="noStrike" dirty="0" err="1">
+                          <a:effectLst/>
+                          <a:latin typeface="+mj-lt"/>
+                        </a:rPr>
+                        <a:t>lat</a:t>
+                      </a:r>
+                      <a:endParaRPr lang="en-GB" sz="1100" b="0" i="0" u="none" strike="noStrike" dirty="0">
+                        <a:solidFill>
+                          <a:srgbClr val="000000"/>
+                        </a:solidFill>
+                        <a:effectLst/>
+                        <a:latin typeface="+mj-lt"/>
+                      </a:endParaRPr>
+                    </a:p>
+                  </a:txBody>
+                  <a:tcPr marL="9525" marR="9525" marT="9525" marB="0" anchor="ctr">
+                    <a:lnL w="12700" cap="flat" cmpd="sng" algn="ctr">
+                      <a:solidFill>
+                        <a:schemeClr val="bg1">
+                          <a:lumMod val="50000"/>
+                        </a:schemeClr>
+                      </a:solidFill>
+                      <a:prstDash val="solid"/>
+                      <a:round/>
+                      <a:headEnd type="none" w="med" len="med"/>
+                      <a:tailEnd type="none" w="med" len="med"/>
+                    </a:lnL>
+                    <a:lnR w="12700" cap="flat" cmpd="sng" algn="ctr">
+                      <a:solidFill>
+                        <a:schemeClr val="bg1">
+                          <a:lumMod val="50000"/>
+                        </a:schemeClr>
+                      </a:solidFill>
+                      <a:prstDash val="solid"/>
+                      <a:round/>
+                      <a:headEnd type="none" w="med" len="med"/>
+                      <a:tailEnd type="none" w="med" len="med"/>
+                    </a:lnR>
+                    <a:solidFill>
+                      <a:schemeClr val="bg1">
+                        <a:lumMod val="95000"/>
+                      </a:schemeClr>
+                    </a:solidFill>
+                  </a:tcPr>
+                </a:tc>
+              </a:tr>
+              <a:tr h="195429">
+                <a:tc>
+                  <a:txBody>
+                    <a:bodyPr/>
+                    <a:lstStyle/>
+                    <a:p>
+                      <a:pPr algn="ctr" fontAlgn="ctr"/>
+                      <a:r>
+                        <a:rPr lang="en-GB" sz="1100" u="none" strike="noStrike" dirty="0" err="1">
+                          <a:effectLst/>
+                          <a:latin typeface="+mj-lt"/>
+                        </a:rPr>
+                        <a:t>lon</a:t>
+                      </a:r>
+                      <a:endParaRPr lang="en-GB" sz="1100" b="0" i="0" u="none" strike="noStrike" dirty="0">
+                        <a:solidFill>
+                          <a:srgbClr val="000000"/>
+                        </a:solidFill>
+                        <a:effectLst/>
+                        <a:latin typeface="+mj-lt"/>
+                      </a:endParaRPr>
+                    </a:p>
+                  </a:txBody>
+                  <a:tcPr marL="9525" marR="9525" marT="9525" marB="0" anchor="ctr">
+                    <a:lnL w="12700" cap="flat" cmpd="sng" algn="ctr">
+                      <a:solidFill>
+                        <a:schemeClr val="bg1">
+                          <a:lumMod val="50000"/>
+                        </a:schemeClr>
+                      </a:solidFill>
+                      <a:prstDash val="solid"/>
+                      <a:round/>
+                      <a:headEnd type="none" w="med" len="med"/>
+                      <a:tailEnd type="none" w="med" len="med"/>
+                    </a:lnL>
+                    <a:lnR w="12700" cap="flat" cmpd="sng" algn="ctr">
+                      <a:solidFill>
+                        <a:schemeClr val="bg1">
+                          <a:lumMod val="50000"/>
+                        </a:schemeClr>
+                      </a:solidFill>
+                      <a:prstDash val="solid"/>
+                      <a:round/>
+                      <a:headEnd type="none" w="med" len="med"/>
+                      <a:tailEnd type="none" w="med" len="med"/>
+                    </a:lnR>
+                    <a:lnB w="12700" cap="flat" cmpd="sng" algn="ctr">
+                      <a:solidFill>
+                        <a:schemeClr val="bg1">
+                          <a:lumMod val="50000"/>
+                        </a:schemeClr>
+                      </a:solidFill>
+                      <a:prstDash val="solid"/>
+                      <a:round/>
+                      <a:headEnd type="none" w="med" len="med"/>
+                      <a:tailEnd type="none" w="med" len="med"/>
+                    </a:lnB>
+                    <a:solidFill>
+                      <a:schemeClr val="bg1">
+                        <a:lumMod val="95000"/>
+                      </a:schemeClr>
+                    </a:solidFill>
+                  </a:tcPr>
+                </a:tc>
+              </a:tr>
+            </a:tbl>
+          </a:graphicData>
+        </a:graphic>
+      </p:graphicFrame>
+      <p:cxnSp>
+        <p:nvCxnSpPr>
+          <p:cNvPr id="14" name="肘形连接符 13"/>
+          <p:cNvCxnSpPr/>
+          <p:nvPr/>
+        </p:nvCxnSpPr>
+        <p:spPr>
+          <a:xfrm rot="10800000" flipV="1">
+            <a:off x="3176337" y="2959767"/>
+            <a:ext cx="1278499" cy="1261726"/>
+          </a:xfrm>
+          <a:prstGeom prst="bentConnector3">
+            <a:avLst/>
+          </a:prstGeom>
+          <a:ln w="12700">
+            <a:solidFill>
+              <a:schemeClr val="bg1">
+                <a:lumMod val="50000"/>
+              </a:schemeClr>
+            </a:solidFill>
+          </a:ln>
+        </p:spPr>
+        <p:style>
+          <a:lnRef idx="1">
+            <a:schemeClr val="accent1"/>
+          </a:lnRef>
+          <a:fillRef idx="0">
+            <a:schemeClr val="accent1"/>
+          </a:fillRef>
+          <a:effectRef idx="0">
+            <a:schemeClr val="accent1"/>
+          </a:effectRef>
+          <a:fontRef idx="minor">
+            <a:schemeClr val="tx1"/>
+          </a:fontRef>
+        </p:style>
+      </p:cxnSp>
+      <p:cxnSp>
+        <p:nvCxnSpPr>
+          <p:cNvPr id="16" name="肘形连接符 15"/>
+          <p:cNvCxnSpPr/>
+          <p:nvPr/>
+        </p:nvCxnSpPr>
+        <p:spPr>
+          <a:xfrm>
+            <a:off x="5894833" y="2959767"/>
+            <a:ext cx="1071026" cy="601580"/>
+          </a:xfrm>
+          <a:prstGeom prst="bentConnector3">
+            <a:avLst/>
+          </a:prstGeom>
+          <a:ln w="12700">
+            <a:solidFill>
+              <a:schemeClr val="bg1">
+                <a:lumMod val="50000"/>
+              </a:schemeClr>
+            </a:solidFill>
+          </a:ln>
+        </p:spPr>
+        <p:style>
+          <a:lnRef idx="1">
+            <a:schemeClr val="accent1"/>
+          </a:lnRef>
+          <a:fillRef idx="0">
+            <a:schemeClr val="accent1"/>
+          </a:fillRef>
+          <a:effectRef idx="0">
+            <a:schemeClr val="accent1"/>
+          </a:effectRef>
+          <a:fontRef idx="minor">
+            <a:schemeClr val="tx1"/>
+          </a:fontRef>
+        </p:style>
+      </p:cxnSp>
+      <p:cxnSp>
+        <p:nvCxnSpPr>
+          <p:cNvPr id="18" name="肘形连接符 17"/>
+          <p:cNvCxnSpPr/>
+          <p:nvPr/>
+        </p:nvCxnSpPr>
+        <p:spPr>
+          <a:xfrm rot="10800000">
+            <a:off x="3176337" y="4534388"/>
+            <a:ext cx="3789525" cy="830182"/>
+          </a:xfrm>
+          <a:prstGeom prst="bentConnector3">
+            <a:avLst/>
+          </a:prstGeom>
+          <a:ln w="12700">
+            <a:solidFill>
+              <a:schemeClr val="bg1">
+                <a:lumMod val="50000"/>
+              </a:schemeClr>
+            </a:solidFill>
+          </a:ln>
+        </p:spPr>
+        <p:style>
+          <a:lnRef idx="1">
+            <a:schemeClr val="accent1"/>
+          </a:lnRef>
+          <a:fillRef idx="0">
+            <a:schemeClr val="accent1"/>
+          </a:fillRef>
+          <a:effectRef idx="0">
+            <a:schemeClr val="accent1"/>
+          </a:effectRef>
+          <a:fontRef idx="minor">
+            <a:schemeClr val="tx1"/>
+          </a:fontRef>
+        </p:style>
+      </p:cxnSp>
+      <p:cxnSp>
+        <p:nvCxnSpPr>
+          <p:cNvPr id="23" name="肘形连接符 22"/>
+          <p:cNvCxnSpPr/>
+          <p:nvPr/>
+        </p:nvCxnSpPr>
+        <p:spPr>
+          <a:xfrm flipV="1">
+            <a:off x="8405860" y="3950857"/>
+            <a:ext cx="1071025" cy="1018186"/>
+          </a:xfrm>
+          <a:prstGeom prst="bentConnector3">
+            <a:avLst/>
+          </a:prstGeom>
+          <a:ln w="12700">
+            <a:solidFill>
+              <a:schemeClr val="bg1">
+                <a:lumMod val="50000"/>
+              </a:schemeClr>
+            </a:solidFill>
+          </a:ln>
+        </p:spPr>
+        <p:style>
+          <a:lnRef idx="1">
+            <a:schemeClr val="accent1"/>
+          </a:lnRef>
+          <a:fillRef idx="0">
+            <a:schemeClr val="accent1"/>
+          </a:fillRef>
+          <a:effectRef idx="0">
+            <a:schemeClr val="accent1"/>
+          </a:effectRef>
+          <a:fontRef idx="minor">
+            <a:schemeClr val="tx1"/>
+          </a:fontRef>
+        </p:style>
+      </p:cxnSp>
+      <p:sp>
+        <p:nvSpPr>
+          <p:cNvPr id="30" name="文本框 29"/>
+          <p:cNvSpPr txBox="1"/>
+          <p:nvPr/>
+        </p:nvSpPr>
+        <p:spPr>
+          <a:xfrm>
+            <a:off x="5894833" y="2698157"/>
+            <a:ext cx="263214" cy="261610"/>
+          </a:xfrm>
+          <a:prstGeom prst="rect">
+            <a:avLst/>
+          </a:prstGeom>
+          <a:noFill/>
+        </p:spPr>
+        <p:txBody>
+          <a:bodyPr wrap="none" rtlCol="0">
+            <a:spAutoFit/>
+          </a:bodyPr>
+          <a:lstStyle/>
+          <a:p>
+            <a:r>
+              <a:rPr lang="en-US" sz="1100" dirty="0" smtClean="0">
+                <a:latin typeface="Arial Unicode MS" panose="020B0604020202020204" pitchFamily="34" charset="-122"/>
+                <a:ea typeface="Arial Unicode MS" panose="020B0604020202020204" pitchFamily="34" charset="-122"/>
+                <a:cs typeface="Arial Unicode MS" panose="020B0604020202020204" pitchFamily="34" charset="-122"/>
+              </a:rPr>
+              <a:t>1</a:t>
+            </a:r>
+            <a:endParaRPr lang="en-US" sz="1100" dirty="0">
+              <a:latin typeface="Arial Unicode MS" panose="020B0604020202020204" pitchFamily="34" charset="-122"/>
+              <a:ea typeface="Arial Unicode MS" panose="020B0604020202020204" pitchFamily="34" charset="-122"/>
+              <a:cs typeface="Arial Unicode MS" panose="020B0604020202020204" pitchFamily="34" charset="-122"/>
+            </a:endParaRPr>
+          </a:p>
+        </p:txBody>
+      </p:sp>
+      <p:sp>
+        <p:nvSpPr>
+          <p:cNvPr id="31" name="文本框 30"/>
+          <p:cNvSpPr txBox="1"/>
+          <p:nvPr/>
+        </p:nvSpPr>
+        <p:spPr>
+          <a:xfrm>
+            <a:off x="6725652" y="3299737"/>
+            <a:ext cx="270663" cy="338554"/>
+          </a:xfrm>
+          <a:prstGeom prst="rect">
+            <a:avLst/>
+          </a:prstGeom>
+          <a:noFill/>
+        </p:spPr>
+        <p:txBody>
+          <a:bodyPr wrap="square" rtlCol="0">
+            <a:spAutoFit/>
+          </a:bodyPr>
+          <a:lstStyle/>
+          <a:p>
+            <a:r>
+              <a:rPr lang="en-US" sz="1600" dirty="0" smtClean="0">
+                <a:latin typeface="Arial Unicode MS" panose="020B0604020202020204" pitchFamily="34" charset="-122"/>
+                <a:ea typeface="Arial Unicode MS" panose="020B0604020202020204" pitchFamily="34" charset="-122"/>
+                <a:cs typeface="Arial Unicode MS" panose="020B0604020202020204" pitchFamily="34" charset="-122"/>
+              </a:rPr>
+              <a:t>*</a:t>
+            </a:r>
+            <a:endParaRPr lang="en-US" sz="1600" dirty="0">
+              <a:latin typeface="Arial Unicode MS" panose="020B0604020202020204" pitchFamily="34" charset="-122"/>
+              <a:ea typeface="Arial Unicode MS" panose="020B0604020202020204" pitchFamily="34" charset="-122"/>
+              <a:cs typeface="Arial Unicode MS" panose="020B0604020202020204" pitchFamily="34" charset="-122"/>
+            </a:endParaRPr>
+          </a:p>
+        </p:txBody>
+      </p:sp>
+      <p:sp>
+        <p:nvSpPr>
+          <p:cNvPr id="32" name="文本框 31"/>
+          <p:cNvSpPr txBox="1"/>
+          <p:nvPr/>
+        </p:nvSpPr>
+        <p:spPr>
+          <a:xfrm>
+            <a:off x="8375403" y="4689347"/>
+            <a:ext cx="270663" cy="338554"/>
+          </a:xfrm>
+          <a:prstGeom prst="rect">
+            <a:avLst/>
+          </a:prstGeom>
+          <a:noFill/>
+        </p:spPr>
+        <p:txBody>
+          <a:bodyPr wrap="square" rtlCol="0">
+            <a:spAutoFit/>
+          </a:bodyPr>
+          <a:lstStyle/>
+          <a:p>
+            <a:r>
+              <a:rPr lang="en-US" sz="1600" dirty="0" smtClean="0">
+                <a:latin typeface="Arial Unicode MS" panose="020B0604020202020204" pitchFamily="34" charset="-122"/>
+                <a:ea typeface="Arial Unicode MS" panose="020B0604020202020204" pitchFamily="34" charset="-122"/>
+                <a:cs typeface="Arial Unicode MS" panose="020B0604020202020204" pitchFamily="34" charset="-122"/>
+              </a:rPr>
+              <a:t>*</a:t>
+            </a:r>
+            <a:endParaRPr lang="en-US" sz="1600" dirty="0">
+              <a:latin typeface="Arial Unicode MS" panose="020B0604020202020204" pitchFamily="34" charset="-122"/>
+              <a:ea typeface="Arial Unicode MS" panose="020B0604020202020204" pitchFamily="34" charset="-122"/>
+              <a:cs typeface="Arial Unicode MS" panose="020B0604020202020204" pitchFamily="34" charset="-122"/>
+            </a:endParaRPr>
+          </a:p>
+        </p:txBody>
+      </p:sp>
+      <p:sp>
+        <p:nvSpPr>
+          <p:cNvPr id="33" name="文本框 32"/>
+          <p:cNvSpPr txBox="1"/>
+          <p:nvPr/>
+        </p:nvSpPr>
+        <p:spPr>
+          <a:xfrm>
+            <a:off x="9206221" y="3628866"/>
+            <a:ext cx="270663" cy="261610"/>
+          </a:xfrm>
+          <a:prstGeom prst="rect">
+            <a:avLst/>
+          </a:prstGeom>
+          <a:noFill/>
+        </p:spPr>
+        <p:txBody>
+          <a:bodyPr wrap="square" rtlCol="0">
+            <a:spAutoFit/>
+          </a:bodyPr>
+          <a:lstStyle/>
+          <a:p>
+            <a:r>
+              <a:rPr lang="en-US" sz="1100" dirty="0" smtClean="0">
+                <a:latin typeface="Arial Unicode MS" panose="020B0604020202020204" pitchFamily="34" charset="-122"/>
+                <a:ea typeface="Arial Unicode MS" panose="020B0604020202020204" pitchFamily="34" charset="-122"/>
+                <a:cs typeface="Arial Unicode MS" panose="020B0604020202020204" pitchFamily="34" charset="-122"/>
+              </a:rPr>
+              <a:t>1</a:t>
+            </a:r>
+            <a:endParaRPr lang="en-US" sz="1100" dirty="0">
+              <a:latin typeface="Arial Unicode MS" panose="020B0604020202020204" pitchFamily="34" charset="-122"/>
+              <a:ea typeface="Arial Unicode MS" panose="020B0604020202020204" pitchFamily="34" charset="-122"/>
+              <a:cs typeface="Arial Unicode MS" panose="020B0604020202020204" pitchFamily="34" charset="-122"/>
+            </a:endParaRPr>
+          </a:p>
+        </p:txBody>
+      </p:sp>
+      <p:sp>
+        <p:nvSpPr>
+          <p:cNvPr id="34" name="文本框 33"/>
+          <p:cNvSpPr txBox="1"/>
+          <p:nvPr/>
+        </p:nvSpPr>
+        <p:spPr>
+          <a:xfrm>
+            <a:off x="6682300" y="5043635"/>
+            <a:ext cx="270663" cy="338554"/>
+          </a:xfrm>
+          <a:prstGeom prst="rect">
+            <a:avLst/>
+          </a:prstGeom>
+          <a:noFill/>
+        </p:spPr>
+        <p:txBody>
+          <a:bodyPr wrap="square" rtlCol="0">
+            <a:spAutoFit/>
+          </a:bodyPr>
+          <a:lstStyle/>
+          <a:p>
+            <a:r>
+              <a:rPr lang="en-US" sz="1600" dirty="0" smtClean="0">
+                <a:latin typeface="Arial Unicode MS" panose="020B0604020202020204" pitchFamily="34" charset="-122"/>
+                <a:ea typeface="Arial Unicode MS" panose="020B0604020202020204" pitchFamily="34" charset="-122"/>
+                <a:cs typeface="Arial Unicode MS" panose="020B0604020202020204" pitchFamily="34" charset="-122"/>
+              </a:rPr>
+              <a:t>*</a:t>
+            </a:r>
+            <a:endParaRPr lang="en-US" sz="1600" dirty="0">
+              <a:latin typeface="Arial Unicode MS" panose="020B0604020202020204" pitchFamily="34" charset="-122"/>
+              <a:ea typeface="Arial Unicode MS" panose="020B0604020202020204" pitchFamily="34" charset="-122"/>
+              <a:cs typeface="Arial Unicode MS" panose="020B0604020202020204" pitchFamily="34" charset="-122"/>
+            </a:endParaRPr>
+          </a:p>
+        </p:txBody>
+      </p:sp>
+      <p:sp>
+        <p:nvSpPr>
+          <p:cNvPr id="35" name="文本框 34"/>
+          <p:cNvSpPr txBox="1"/>
+          <p:nvPr/>
+        </p:nvSpPr>
+        <p:spPr>
+          <a:xfrm>
+            <a:off x="3152427" y="4552879"/>
+            <a:ext cx="270663" cy="338554"/>
+          </a:xfrm>
+          <a:prstGeom prst="rect">
+            <a:avLst/>
+          </a:prstGeom>
+          <a:noFill/>
+        </p:spPr>
+        <p:txBody>
+          <a:bodyPr wrap="square" rtlCol="0">
+            <a:spAutoFit/>
+          </a:bodyPr>
+          <a:lstStyle/>
+          <a:p>
+            <a:r>
+              <a:rPr lang="en-US" sz="1600" dirty="0" smtClean="0">
+                <a:latin typeface="Arial Unicode MS" panose="020B0604020202020204" pitchFamily="34" charset="-122"/>
+                <a:ea typeface="Arial Unicode MS" panose="020B0604020202020204" pitchFamily="34" charset="-122"/>
+                <a:cs typeface="Arial Unicode MS" panose="020B0604020202020204" pitchFamily="34" charset="-122"/>
+              </a:rPr>
+              <a:t>*</a:t>
+            </a:r>
+            <a:endParaRPr lang="en-US" sz="1600" dirty="0">
+              <a:latin typeface="Arial Unicode MS" panose="020B0604020202020204" pitchFamily="34" charset="-122"/>
+              <a:ea typeface="Arial Unicode MS" panose="020B0604020202020204" pitchFamily="34" charset="-122"/>
+              <a:cs typeface="Arial Unicode MS" panose="020B0604020202020204" pitchFamily="34" charset="-122"/>
+            </a:endParaRPr>
+          </a:p>
+        </p:txBody>
+      </p:sp>
+      <p:sp>
+        <p:nvSpPr>
+          <p:cNvPr id="36" name="文本框 35"/>
+          <p:cNvSpPr txBox="1"/>
+          <p:nvPr/>
+        </p:nvSpPr>
+        <p:spPr>
+          <a:xfrm>
+            <a:off x="3189675" y="3935555"/>
+            <a:ext cx="270663" cy="338554"/>
+          </a:xfrm>
+          <a:prstGeom prst="rect">
+            <a:avLst/>
+          </a:prstGeom>
+          <a:noFill/>
+        </p:spPr>
+        <p:txBody>
+          <a:bodyPr wrap="square" rtlCol="0">
+            <a:spAutoFit/>
+          </a:bodyPr>
+          <a:lstStyle/>
+          <a:p>
+            <a:r>
+              <a:rPr lang="en-US" sz="1600" dirty="0" smtClean="0">
+                <a:latin typeface="Arial Unicode MS" panose="020B0604020202020204" pitchFamily="34" charset="-122"/>
+                <a:ea typeface="Arial Unicode MS" panose="020B0604020202020204" pitchFamily="34" charset="-122"/>
+                <a:cs typeface="Arial Unicode MS" panose="020B0604020202020204" pitchFamily="34" charset="-122"/>
+              </a:rPr>
+              <a:t>*</a:t>
+            </a:r>
+            <a:endParaRPr lang="en-US" sz="1600" dirty="0">
+              <a:latin typeface="Arial Unicode MS" panose="020B0604020202020204" pitchFamily="34" charset="-122"/>
+              <a:ea typeface="Arial Unicode MS" panose="020B0604020202020204" pitchFamily="34" charset="-122"/>
+              <a:cs typeface="Arial Unicode MS" panose="020B0604020202020204" pitchFamily="34" charset="-122"/>
+            </a:endParaRPr>
+          </a:p>
+        </p:txBody>
+      </p:sp>
+      <p:sp>
+        <p:nvSpPr>
+          <p:cNvPr id="37" name="文本框 36"/>
+          <p:cNvSpPr txBox="1"/>
+          <p:nvPr/>
+        </p:nvSpPr>
+        <p:spPr>
+          <a:xfrm>
+            <a:off x="4184173" y="2698157"/>
+            <a:ext cx="270663" cy="338554"/>
+          </a:xfrm>
+          <a:prstGeom prst="rect">
+            <a:avLst/>
+          </a:prstGeom>
+          <a:noFill/>
+        </p:spPr>
+        <p:txBody>
+          <a:bodyPr wrap="square" rtlCol="0">
+            <a:spAutoFit/>
+          </a:bodyPr>
+          <a:lstStyle/>
+          <a:p>
+            <a:r>
+              <a:rPr lang="en-US" sz="1600" dirty="0" smtClean="0">
+                <a:latin typeface="Arial Unicode MS" panose="020B0604020202020204" pitchFamily="34" charset="-122"/>
+                <a:ea typeface="Arial Unicode MS" panose="020B0604020202020204" pitchFamily="34" charset="-122"/>
+                <a:cs typeface="Arial Unicode MS" panose="020B0604020202020204" pitchFamily="34" charset="-122"/>
+              </a:rPr>
+              <a:t>*</a:t>
+            </a:r>
+            <a:endParaRPr lang="en-US" sz="1600" dirty="0">
+              <a:latin typeface="Arial Unicode MS" panose="020B0604020202020204" pitchFamily="34" charset="-122"/>
+              <a:ea typeface="Arial Unicode MS" panose="020B0604020202020204" pitchFamily="34" charset="-122"/>
+              <a:cs typeface="Arial Unicode MS" panose="020B0604020202020204" pitchFamily="34" charset="-122"/>
+            </a:endParaRPr>
+          </a:p>
+        </p:txBody>
+      </p:sp>
+    </p:spTree>
+    <p:extLst>
+      <p:ext uri="{BB962C8B-B14F-4D97-AF65-F5344CB8AC3E}">
+        <p14:creationId xmlns:p14="http://schemas.microsoft.com/office/powerpoint/2010/main" val="4016617756"/>
+      </p:ext>
+    </p:extLst>
+  </p:cSld>
+  <p:clrMapOvr>
+    <a:masterClrMapping/>
+  </p:clrMapOvr>
+</p:sld>
+</file>
+
+<file path=ppt/slides/slide4.xml><?xml version="1.0" encoding="utf-8"?>
+<p:sld xmlns:a="http://schemas.openxmlformats.org/drawingml/2006/main" xmlns:r="http://schemas.openxmlformats.org/officeDocument/2006/relationships" xmlns:p="http://schemas.openxmlformats.org/presentationml/2006/main">
+  <p:cSld>
+    <p:spTree>
+      <p:nvGrpSpPr>
+        <p:cNvPr id="1" name=""/>
+        <p:cNvGrpSpPr/>
+        <p:nvPr/>
+      </p:nvGrpSpPr>
+      <p:grpSpPr>
+        <a:xfrm>
+          <a:off x="0" y="0"/>
+          <a:ext cx="0" cy="0"/>
+          <a:chOff x="0" y="0"/>
+          <a:chExt cx="0" cy="0"/>
+        </a:xfrm>
+      </p:grpSpPr>
+      <p:sp>
+        <p:nvSpPr>
+          <p:cNvPr id="2" name="标题 1"/>
+          <p:cNvSpPr>
+            <a:spLocks noGrp="1"/>
+          </p:cNvSpPr>
+          <p:nvPr>
+            <p:ph type="title"/>
+          </p:nvPr>
+        </p:nvSpPr>
+        <p:spPr/>
+        <p:txBody>
+          <a:bodyPr/>
+          <a:lstStyle/>
+          <a:p>
+            <a:r>
+              <a:rPr lang="en-US" dirty="0" smtClean="0"/>
+              <a:t>Problem statement</a:t>
+            </a:r>
+            <a:endParaRPr lang="en-US" dirty="0"/>
+          </a:p>
+        </p:txBody>
+      </p:sp>
+      <p:sp>
+        <p:nvSpPr>
+          <p:cNvPr id="3" name="内容占位符 2"/>
+          <p:cNvSpPr>
+            <a:spLocks noGrp="1"/>
+          </p:cNvSpPr>
+          <p:nvPr>
+            <p:ph idx="1"/>
+          </p:nvPr>
+        </p:nvSpPr>
+        <p:spPr/>
+        <p:txBody>
+          <a:bodyPr/>
+          <a:lstStyle/>
+          <a:p>
+            <a:r>
+              <a:rPr lang="en-US" dirty="0" smtClean="0"/>
+              <a:t>Intuitions (give examples and more bullet points)</a:t>
+            </a:r>
+          </a:p>
+          <a:p>
+            <a:pPr lvl="1"/>
+            <a:r>
+              <a:rPr lang="en-US" dirty="0" smtClean="0"/>
+              <a:t>Event attendance is relevant with the group it belongs to.</a:t>
+            </a:r>
+          </a:p>
+          <a:p>
+            <a:pPr lvl="1"/>
+            <a:r>
+              <a:rPr lang="en-US" dirty="0" smtClean="0"/>
+              <a:t>Event attendance is relevant with the user profiles of the group members.</a:t>
+            </a:r>
+          </a:p>
+          <a:p>
+            <a:pPr lvl="1"/>
+            <a:r>
+              <a:rPr lang="en-US" dirty="0" smtClean="0"/>
+              <a:t>Event attendance is relevant with the attributes of the event.</a:t>
+            </a:r>
+          </a:p>
+          <a:p>
+            <a:r>
+              <a:rPr lang="en-US" dirty="0" smtClean="0"/>
+              <a:t>The meetup event attendance problem can be formulated as follows.</a:t>
+            </a:r>
+          </a:p>
+          <a:p>
+            <a:r>
+              <a:rPr lang="en-US" b="1" dirty="0" smtClean="0"/>
+              <a:t>Given a set of </a:t>
+            </a:r>
+            <a:r>
+              <a:rPr lang="en-US" altLang="zh-CN" b="1" dirty="0" smtClean="0"/>
+              <a:t>data </a:t>
+            </a:r>
+            <a:r>
+              <a:rPr lang="en-US" altLang="zh-CN" b="1" dirty="0"/>
+              <a:t>of groups, users and </a:t>
+            </a:r>
+            <a:r>
+              <a:rPr lang="en-US" altLang="zh-CN" b="1" dirty="0" smtClean="0"/>
+              <a:t>events, to come up with features in all three categories such that they are used to predict the numerical value of number of group members participating (including guests)</a:t>
+            </a:r>
+            <a:r>
+              <a:rPr lang="en-US" b="1" dirty="0" smtClean="0"/>
+              <a:t>.</a:t>
+            </a:r>
+            <a:endParaRPr lang="en-US" b="1" dirty="0"/>
+          </a:p>
+        </p:txBody>
+      </p:sp>
+    </p:spTree>
+    <p:extLst>
+      <p:ext uri="{BB962C8B-B14F-4D97-AF65-F5344CB8AC3E}">
+        <p14:creationId xmlns:p14="http://schemas.microsoft.com/office/powerpoint/2010/main" val="1166655854"/>
+      </p:ext>
+    </p:extLst>
+  </p:cSld>
+  <p:clrMapOvr>
+    <a:masterClrMapping/>
+  </p:clrMapOvr>
+</p:sld>
+</file>
+
+<file path=ppt/slides/slide5.xml><?xml version="1.0" encoding="utf-8"?>
+<p:sld xmlns:a="http://schemas.openxmlformats.org/drawingml/2006/main" xmlns:r="http://schemas.openxmlformats.org/officeDocument/2006/relationships" xmlns:p="http://schemas.openxmlformats.org/presentationml/2006/main">
+  <p:cSld>
+    <p:spTree>
+      <p:nvGrpSpPr>
+        <p:cNvPr id="1" name=""/>
+        <p:cNvGrpSpPr/>
+        <p:nvPr/>
+      </p:nvGrpSpPr>
+      <p:grpSpPr>
+        <a:xfrm>
+          <a:off x="0" y="0"/>
+          <a:ext cx="0" cy="0"/>
+          <a:chOff x="0" y="0"/>
+          <a:chExt cx="0" cy="0"/>
+        </a:xfrm>
+      </p:grpSpPr>
+      <p:sp>
+        <p:nvSpPr>
+          <p:cNvPr id="2" name="标题 1"/>
+          <p:cNvSpPr>
+            <a:spLocks noGrp="1"/>
+          </p:cNvSpPr>
+          <p:nvPr>
+            <p:ph type="title"/>
+          </p:nvPr>
+        </p:nvSpPr>
+        <p:spPr/>
+        <p:txBody>
+          <a:bodyPr/>
+          <a:lstStyle/>
+          <a:p>
+            <a:r>
+              <a:rPr lang="en-US" dirty="0" smtClean="0"/>
+              <a:t>Process</a:t>
+            </a:r>
+            <a:endParaRPr lang="en-US" dirty="0"/>
+          </a:p>
+        </p:txBody>
+      </p:sp>
+      <p:sp>
+        <p:nvSpPr>
+          <p:cNvPr id="3" name="内容占位符 2"/>
+          <p:cNvSpPr>
+            <a:spLocks noGrp="1"/>
+          </p:cNvSpPr>
+          <p:nvPr>
+            <p:ph idx="1"/>
+          </p:nvPr>
+        </p:nvSpPr>
+        <p:spPr/>
+        <p:txBody>
+          <a:bodyPr/>
+          <a:lstStyle/>
+          <a:p>
+            <a:endParaRPr lang="en-US"/>
+          </a:p>
+        </p:txBody>
+      </p:sp>
+    </p:spTree>
+    <p:extLst>
+      <p:ext uri="{BB962C8B-B14F-4D97-AF65-F5344CB8AC3E}">
+        <p14:creationId xmlns:p14="http://schemas.microsoft.com/office/powerpoint/2010/main" val="1554566080"/>
+      </p:ext>
+    </p:extLst>
+  </p:cSld>
+  <p:clrMapOvr>
+    <a:masterClrMapping/>
+  </p:clrMapOvr>
+</p:sld>
+</file>
+
+<file path=ppt/slides/slide6.xml><?xml version="1.0" encoding="utf-8"?>
+<p:sld xmlns:a="http://schemas.openxmlformats.org/drawingml/2006/main" xmlns:r="http://schemas.openxmlformats.org/officeDocument/2006/relationships" xmlns:p="http://schemas.openxmlformats.org/presentationml/2006/main">
+  <p:cSld>
+    <p:spTree>
+      <p:nvGrpSpPr>
+        <p:cNvPr id="1" name=""/>
+        <p:cNvGrpSpPr/>
+        <p:nvPr/>
+      </p:nvGrpSpPr>
+      <p:grpSpPr>
+        <a:xfrm>
+          <a:off x="0" y="0"/>
+          <a:ext cx="0" cy="0"/>
+          <a:chOff x="0" y="0"/>
+          <a:chExt cx="0" cy="0"/>
+        </a:xfrm>
+      </p:grpSpPr>
+      <p:sp>
+        <p:nvSpPr>
+          <p:cNvPr id="2" name="标题 1"/>
+          <p:cNvSpPr>
+            <a:spLocks noGrp="1"/>
+          </p:cNvSpPr>
+          <p:nvPr>
+            <p:ph type="title"/>
+          </p:nvPr>
+        </p:nvSpPr>
+        <p:spPr/>
+        <p:txBody>
+          <a:bodyPr/>
+          <a:lstStyle/>
+          <a:p>
+            <a:r>
+              <a:rPr lang="en-US" dirty="0" smtClean="0"/>
+              <a:t>Feature engineering</a:t>
+            </a:r>
+            <a:endParaRPr lang="en-US" dirty="0"/>
+          </a:p>
+        </p:txBody>
+      </p:sp>
+      <p:graphicFrame>
+        <p:nvGraphicFramePr>
+          <p:cNvPr id="6" name="表格 5"/>
+          <p:cNvGraphicFramePr>
+            <a:graphicFrameLocks noGrp="1"/>
+          </p:cNvGraphicFramePr>
+          <p:nvPr>
+            <p:extLst>
+              <p:ext uri="{D42A27DB-BD31-4B8C-83A1-F6EECF244321}">
+                <p14:modId xmlns:p14="http://schemas.microsoft.com/office/powerpoint/2010/main" val="736603251"/>
+              </p:ext>
+            </p:extLst>
+          </p:nvPr>
+        </p:nvGraphicFramePr>
+        <p:xfrm>
+          <a:off x="1566110" y="1690688"/>
+          <a:ext cx="9059780" cy="2479040"/>
+        </p:xfrm>
+        <a:graphic>
+          <a:graphicData uri="http://schemas.openxmlformats.org/drawingml/2006/table">
+            <a:tbl>
+              <a:tblPr firstRow="1" bandRow="1">
+                <a:tableStyleId>{3B4B98B0-60AC-42C2-AFA5-B58CD77FA1E5}</a:tableStyleId>
+              </a:tblPr>
+              <a:tblGrid>
+                <a:gridCol w="2264945"/>
+                <a:gridCol w="2264945"/>
+                <a:gridCol w="2264945"/>
+                <a:gridCol w="2264945"/>
+              </a:tblGrid>
+              <a:tr h="370840">
+                <a:tc>
+                  <a:txBody>
+                    <a:bodyPr/>
+                    <a:lstStyle/>
+                    <a:p>
+                      <a:endParaRPr lang="en-US" sz="1200" b="1" cap="small" baseline="0" dirty="0">
+                        <a:latin typeface="Arial Unicode MS" panose="020B0604020202020204" pitchFamily="34" charset="-122"/>
+                        <a:ea typeface="Arial Unicode MS" panose="020B0604020202020204" pitchFamily="34" charset="-122"/>
+                        <a:cs typeface="Arial Unicode MS" panose="020B0604020202020204" pitchFamily="34" charset="-122"/>
+                      </a:endParaRPr>
+                    </a:p>
+                  </a:txBody>
+                  <a:tcPr>
+                    <a:lnL w="12700" cap="flat" cmpd="sng" algn="ctr">
+                      <a:solidFill>
+                        <a:schemeClr val="accent1"/>
+                      </a:solidFill>
+                      <a:prstDash val="solid"/>
+                      <a:round/>
+                      <a:headEnd type="none" w="med" len="med"/>
+                      <a:tailEnd type="none" w="med" len="med"/>
+                    </a:lnL>
+                    <a:lnR w="12700" cap="flat" cmpd="sng" algn="ctr">
+                      <a:solidFill>
+                        <a:schemeClr val="accent1"/>
+                      </a:solidFill>
+                      <a:prstDash val="solid"/>
+                      <a:round/>
+                      <a:headEnd type="none" w="med" len="med"/>
+                      <a:tailEnd type="none" w="med" len="med"/>
+                    </a:lnR>
+                    <a:lnT w="12700" cap="flat" cmpd="sng" algn="ctr">
+                      <a:solidFill>
+                        <a:schemeClr val="accent1"/>
+                      </a:solidFill>
+                      <a:prstDash val="solid"/>
+                      <a:round/>
+                      <a:headEnd type="none" w="med" len="med"/>
+                      <a:tailEnd type="none" w="med" len="med"/>
+                    </a:lnT>
+                    <a:lnB w="12700" cap="flat" cmpd="sng" algn="ctr">
+                      <a:solidFill>
+                        <a:schemeClr val="accent1"/>
+                      </a:solidFill>
+                      <a:prstDash val="solid"/>
+                      <a:round/>
+                      <a:headEnd type="none" w="med" len="med"/>
+                      <a:tailEnd type="none" w="med" len="med"/>
+                    </a:lnB>
+                    <a:solidFill>
+                      <a:schemeClr val="accent1">
+                        <a:lumMod val="20000"/>
+                        <a:lumOff val="80000"/>
+                      </a:schemeClr>
+                    </a:solidFill>
+                  </a:tcPr>
+                </a:tc>
+                <a:tc>
+                  <a:txBody>
+                    <a:bodyPr/>
+                    <a:lstStyle/>
+                    <a:p>
+                      <a:pPr algn="ctr"/>
+                      <a:r>
+                        <a:rPr lang="en-US" sz="1200" cap="small" baseline="0" dirty="0" smtClean="0">
+                          <a:latin typeface="Arial Unicode MS" panose="020B0604020202020204" pitchFamily="34" charset="-122"/>
+                          <a:ea typeface="Arial Unicode MS" panose="020B0604020202020204" pitchFamily="34" charset="-122"/>
+                          <a:cs typeface="Arial Unicode MS" panose="020B0604020202020204" pitchFamily="34" charset="-122"/>
+                        </a:rPr>
+                        <a:t>Group attribute</a:t>
+                      </a:r>
+                      <a:endParaRPr lang="en-US" sz="1200" cap="small" baseline="0" dirty="0">
+                        <a:latin typeface="Arial Unicode MS" panose="020B0604020202020204" pitchFamily="34" charset="-122"/>
+                        <a:ea typeface="Arial Unicode MS" panose="020B0604020202020204" pitchFamily="34" charset="-122"/>
+                        <a:cs typeface="Arial Unicode MS" panose="020B0604020202020204" pitchFamily="34" charset="-122"/>
+                      </a:endParaRPr>
+                    </a:p>
+                  </a:txBody>
+                  <a:tcPr>
+                    <a:lnL w="12700" cap="flat" cmpd="sng" algn="ctr">
+                      <a:solidFill>
+                        <a:schemeClr val="accent1"/>
+                      </a:solidFill>
+                      <a:prstDash val="solid"/>
+                      <a:round/>
+                      <a:headEnd type="none" w="med" len="med"/>
+                      <a:tailEnd type="none" w="med" len="med"/>
+                    </a:lnL>
+                    <a:lnR w="12700" cap="flat" cmpd="sng" algn="ctr">
+                      <a:solidFill>
+                        <a:schemeClr val="accent1"/>
+                      </a:solidFill>
+                      <a:prstDash val="solid"/>
+                      <a:round/>
+                      <a:headEnd type="none" w="med" len="med"/>
+                      <a:tailEnd type="none" w="med" len="med"/>
+                    </a:lnR>
+                    <a:lnT w="12700" cap="flat" cmpd="sng" algn="ctr">
+                      <a:solidFill>
+                        <a:schemeClr val="accent1"/>
+                      </a:solidFill>
+                      <a:prstDash val="solid"/>
+                      <a:round/>
+                      <a:headEnd type="none" w="med" len="med"/>
+                      <a:tailEnd type="none" w="med" len="med"/>
+                    </a:lnT>
+                    <a:lnB w="12700" cap="flat" cmpd="sng" algn="ctr">
+                      <a:solidFill>
+                        <a:schemeClr val="accent1"/>
+                      </a:solidFill>
+                      <a:prstDash val="solid"/>
+                      <a:round/>
+                      <a:headEnd type="none" w="med" len="med"/>
+                      <a:tailEnd type="none" w="med" len="med"/>
+                    </a:lnB>
+                    <a:solidFill>
+                      <a:schemeClr val="accent1">
+                        <a:lumMod val="20000"/>
+                        <a:lumOff val="80000"/>
+                      </a:schemeClr>
+                    </a:solidFill>
+                  </a:tcPr>
+                </a:tc>
+                <a:tc>
+                  <a:txBody>
+                    <a:bodyPr/>
+                    <a:lstStyle/>
+                    <a:p>
+                      <a:pPr algn="ctr"/>
+                      <a:r>
+                        <a:rPr lang="en-US" sz="1200" cap="small" baseline="0" dirty="0" smtClean="0">
+                          <a:latin typeface="Arial Unicode MS" panose="020B0604020202020204" pitchFamily="34" charset="-122"/>
+                          <a:ea typeface="Arial Unicode MS" panose="020B0604020202020204" pitchFamily="34" charset="-122"/>
+                          <a:cs typeface="Arial Unicode MS" panose="020B0604020202020204" pitchFamily="34" charset="-122"/>
+                        </a:rPr>
+                        <a:t>Event attribute</a:t>
+                      </a:r>
+                      <a:endParaRPr lang="en-US" sz="1200" cap="small" baseline="0" dirty="0">
+                        <a:latin typeface="Arial Unicode MS" panose="020B0604020202020204" pitchFamily="34" charset="-122"/>
+                        <a:ea typeface="Arial Unicode MS" panose="020B0604020202020204" pitchFamily="34" charset="-122"/>
+                        <a:cs typeface="Arial Unicode MS" panose="020B0604020202020204" pitchFamily="34" charset="-122"/>
+                      </a:endParaRPr>
+                    </a:p>
+                  </a:txBody>
+                  <a:tcPr>
+                    <a:lnL w="12700" cap="flat" cmpd="sng" algn="ctr">
+                      <a:solidFill>
+                        <a:schemeClr val="accent1"/>
+                      </a:solidFill>
+                      <a:prstDash val="solid"/>
+                      <a:round/>
+                      <a:headEnd type="none" w="med" len="med"/>
+                      <a:tailEnd type="none" w="med" len="med"/>
+                    </a:lnL>
+                    <a:lnR w="12700" cap="flat" cmpd="sng" algn="ctr">
+                      <a:solidFill>
+                        <a:schemeClr val="accent1"/>
+                      </a:solidFill>
+                      <a:prstDash val="solid"/>
+                      <a:round/>
+                      <a:headEnd type="none" w="med" len="med"/>
+                      <a:tailEnd type="none" w="med" len="med"/>
+                    </a:lnR>
+                    <a:lnT w="12700" cap="flat" cmpd="sng" algn="ctr">
+                      <a:solidFill>
+                        <a:schemeClr val="accent1"/>
+                      </a:solidFill>
+                      <a:prstDash val="solid"/>
+                      <a:round/>
+                      <a:headEnd type="none" w="med" len="med"/>
+                      <a:tailEnd type="none" w="med" len="med"/>
+                    </a:lnT>
+                    <a:lnB w="12700" cap="flat" cmpd="sng" algn="ctr">
+                      <a:solidFill>
+                        <a:schemeClr val="accent1"/>
+                      </a:solidFill>
+                      <a:prstDash val="solid"/>
+                      <a:round/>
+                      <a:headEnd type="none" w="med" len="med"/>
+                      <a:tailEnd type="none" w="med" len="med"/>
+                    </a:lnB>
+                    <a:solidFill>
+                      <a:schemeClr val="accent1">
+                        <a:lumMod val="20000"/>
+                        <a:lumOff val="80000"/>
+                      </a:schemeClr>
+                    </a:solidFill>
+                  </a:tcPr>
+                </a:tc>
+                <a:tc>
+                  <a:txBody>
+                    <a:bodyPr/>
+                    <a:lstStyle/>
+                    <a:p>
+                      <a:pPr algn="ctr"/>
+                      <a:r>
+                        <a:rPr lang="en-US" sz="1200" cap="small" baseline="0" dirty="0" smtClean="0">
+                          <a:latin typeface="Arial Unicode MS" panose="020B0604020202020204" pitchFamily="34" charset="-122"/>
+                          <a:ea typeface="Arial Unicode MS" panose="020B0604020202020204" pitchFamily="34" charset="-122"/>
+                          <a:cs typeface="Arial Unicode MS" panose="020B0604020202020204" pitchFamily="34" charset="-122"/>
+                        </a:rPr>
+                        <a:t>User attribute</a:t>
+                      </a:r>
+                      <a:endParaRPr lang="en-US" sz="1200" cap="small" baseline="0" dirty="0">
+                        <a:latin typeface="Arial Unicode MS" panose="020B0604020202020204" pitchFamily="34" charset="-122"/>
+                        <a:ea typeface="Arial Unicode MS" panose="020B0604020202020204" pitchFamily="34" charset="-122"/>
+                        <a:cs typeface="Arial Unicode MS" panose="020B0604020202020204" pitchFamily="34" charset="-122"/>
+                      </a:endParaRPr>
+                    </a:p>
+                  </a:txBody>
+                  <a:tcPr>
+                    <a:lnL w="12700" cap="flat" cmpd="sng" algn="ctr">
+                      <a:solidFill>
+                        <a:schemeClr val="accent1"/>
+                      </a:solidFill>
+                      <a:prstDash val="solid"/>
+                      <a:round/>
+                      <a:headEnd type="none" w="med" len="med"/>
+                      <a:tailEnd type="none" w="med" len="med"/>
+                    </a:lnL>
+                    <a:lnR w="12700" cap="flat" cmpd="sng" algn="ctr">
+                      <a:solidFill>
+                        <a:schemeClr val="accent1"/>
+                      </a:solidFill>
+                      <a:prstDash val="solid"/>
+                      <a:round/>
+                      <a:headEnd type="none" w="med" len="med"/>
+                      <a:tailEnd type="none" w="med" len="med"/>
+                    </a:lnR>
+                    <a:lnT w="12700" cap="flat" cmpd="sng" algn="ctr">
+                      <a:solidFill>
+                        <a:schemeClr val="accent1"/>
+                      </a:solidFill>
+                      <a:prstDash val="solid"/>
+                      <a:round/>
+                      <a:headEnd type="none" w="med" len="med"/>
+                      <a:tailEnd type="none" w="med" len="med"/>
+                    </a:lnT>
+                    <a:lnB w="12700" cap="flat" cmpd="sng" algn="ctr">
+                      <a:solidFill>
+                        <a:schemeClr val="accent1"/>
+                      </a:solidFill>
+                      <a:prstDash val="solid"/>
+                      <a:round/>
+                      <a:headEnd type="none" w="med" len="med"/>
+                      <a:tailEnd type="none" w="med" len="med"/>
+                    </a:lnB>
+                    <a:solidFill>
+                      <a:schemeClr val="accent1">
+                        <a:lumMod val="20000"/>
+                        <a:lumOff val="80000"/>
+                      </a:schemeClr>
+                    </a:solidFill>
+                  </a:tcPr>
+                </a:tc>
+              </a:tr>
+              <a:tr h="370840">
+                <a:tc>
+                  <a:txBody>
+                    <a:bodyPr/>
+                    <a:lstStyle/>
+                    <a:p>
+                      <a:r>
+                        <a:rPr lang="en-US" sz="1200" b="1" cap="small" baseline="0" dirty="0" smtClean="0">
+                          <a:latin typeface="Arial Unicode MS" panose="020B0604020202020204" pitchFamily="34" charset="-122"/>
+                          <a:ea typeface="Arial Unicode MS" panose="020B0604020202020204" pitchFamily="34" charset="-122"/>
+                          <a:cs typeface="Arial Unicode MS" panose="020B0604020202020204" pitchFamily="34" charset="-122"/>
+                        </a:rPr>
+                        <a:t>Spatial</a:t>
+                      </a:r>
+                      <a:endParaRPr lang="en-US" sz="1200" b="1" cap="small" baseline="0" dirty="0">
+                        <a:latin typeface="Arial Unicode MS" panose="020B0604020202020204" pitchFamily="34" charset="-122"/>
+                        <a:ea typeface="Arial Unicode MS" panose="020B0604020202020204" pitchFamily="34" charset="-122"/>
+                        <a:cs typeface="Arial Unicode MS" panose="020B0604020202020204" pitchFamily="34" charset="-122"/>
+                      </a:endParaRPr>
+                    </a:p>
+                  </a:txBody>
+                  <a:tcPr>
+                    <a:lnL w="12700" cap="flat" cmpd="sng" algn="ctr">
+                      <a:solidFill>
+                        <a:schemeClr val="accent1"/>
+                      </a:solidFill>
+                      <a:prstDash val="solid"/>
+                      <a:round/>
+                      <a:headEnd type="none" w="med" len="med"/>
+                      <a:tailEnd type="none" w="med" len="med"/>
+                    </a:lnL>
+                    <a:lnR w="12700" cap="flat" cmpd="sng" algn="ctr">
+                      <a:solidFill>
+                        <a:schemeClr val="accent1"/>
+                      </a:solidFill>
+                      <a:prstDash val="solid"/>
+                      <a:round/>
+                      <a:headEnd type="none" w="med" len="med"/>
+                      <a:tailEnd type="none" w="med" len="med"/>
+                    </a:lnR>
+                    <a:lnT w="12700" cap="flat" cmpd="sng" algn="ctr">
+                      <a:solidFill>
+                        <a:schemeClr val="accent1"/>
+                      </a:solidFill>
+                      <a:prstDash val="solid"/>
+                      <a:round/>
+                      <a:headEnd type="none" w="med" len="med"/>
+                      <a:tailEnd type="none" w="med" len="med"/>
+                    </a:lnT>
+                    <a:lnB w="12700" cap="flat" cmpd="sng" algn="ctr">
+                      <a:solidFill>
+                        <a:schemeClr val="accent1"/>
+                      </a:solidFill>
+                      <a:prstDash val="solid"/>
+                      <a:round/>
+                      <a:headEnd type="none" w="med" len="med"/>
+                      <a:tailEnd type="none" w="med" len="med"/>
+                    </a:lnB>
+                    <a:noFill/>
+                  </a:tcPr>
+                </a:tc>
+                <a:tc>
+                  <a:txBody>
+                    <a:bodyPr/>
+                    <a:lstStyle/>
+                    <a:p>
+                      <a:pPr marL="285750" indent="-285750">
+                        <a:buFont typeface="Arial" panose="020B0604020202020204" pitchFamily="34" charset="0"/>
+                        <a:buChar char="•"/>
+                      </a:pPr>
+                      <a:r>
+                        <a:rPr lang="en-US" sz="1200" dirty="0" smtClean="0">
+                          <a:latin typeface="Arial Unicode MS" panose="020B0604020202020204" pitchFamily="34" charset="-122"/>
+                          <a:ea typeface="Arial Unicode MS" panose="020B0604020202020204" pitchFamily="34" charset="-122"/>
+                          <a:cs typeface="Arial Unicode MS" panose="020B0604020202020204" pitchFamily="34" charset="-122"/>
+                        </a:rPr>
+                        <a:t>geo</a:t>
+                      </a:r>
+                      <a:r>
+                        <a:rPr lang="en-US" sz="1200" baseline="0" dirty="0" smtClean="0">
+                          <a:latin typeface="Arial Unicode MS" panose="020B0604020202020204" pitchFamily="34" charset="-122"/>
+                          <a:ea typeface="Arial Unicode MS" panose="020B0604020202020204" pitchFamily="34" charset="-122"/>
+                          <a:cs typeface="Arial Unicode MS" panose="020B0604020202020204" pitchFamily="34" charset="-122"/>
+                        </a:rPr>
+                        <a:t> distance with event</a:t>
+                      </a:r>
+                      <a:endParaRPr lang="en-US" sz="1200" dirty="0">
+                        <a:latin typeface="Arial Unicode MS" panose="020B0604020202020204" pitchFamily="34" charset="-122"/>
+                        <a:ea typeface="Arial Unicode MS" panose="020B0604020202020204" pitchFamily="34" charset="-122"/>
+                        <a:cs typeface="Arial Unicode MS" panose="020B0604020202020204" pitchFamily="34" charset="-122"/>
+                      </a:endParaRPr>
+                    </a:p>
+                  </a:txBody>
+                  <a:tcPr>
+                    <a:lnL w="12700" cap="flat" cmpd="sng" algn="ctr">
+                      <a:solidFill>
+                        <a:schemeClr val="accent1"/>
+                      </a:solidFill>
+                      <a:prstDash val="solid"/>
+                      <a:round/>
+                      <a:headEnd type="none" w="med" len="med"/>
+                      <a:tailEnd type="none" w="med" len="med"/>
+                    </a:lnL>
+                    <a:lnR w="12700" cap="flat" cmpd="sng" algn="ctr">
+                      <a:solidFill>
+                        <a:schemeClr val="accent1"/>
+                      </a:solidFill>
+                      <a:prstDash val="solid"/>
+                      <a:round/>
+                      <a:headEnd type="none" w="med" len="med"/>
+                      <a:tailEnd type="none" w="med" len="med"/>
+                    </a:lnR>
+                    <a:lnT w="12700" cap="flat" cmpd="sng" algn="ctr">
+                      <a:solidFill>
+                        <a:schemeClr val="accent1"/>
+                      </a:solidFill>
+                      <a:prstDash val="solid"/>
+                      <a:round/>
+                      <a:headEnd type="none" w="med" len="med"/>
+                      <a:tailEnd type="none" w="med" len="med"/>
+                    </a:lnT>
+                    <a:lnB w="12700" cap="flat" cmpd="sng" algn="ctr">
+                      <a:solidFill>
+                        <a:schemeClr val="accent1"/>
+                      </a:solidFill>
+                      <a:prstDash val="solid"/>
+                      <a:round/>
+                      <a:headEnd type="none" w="med" len="med"/>
+                      <a:tailEnd type="none" w="med" len="med"/>
+                    </a:lnB>
+                    <a:noFill/>
+                  </a:tcPr>
+                </a:tc>
+                <a:tc>
+                  <a:txBody>
+                    <a:bodyPr/>
+                    <a:lstStyle/>
+                    <a:p>
+                      <a:pPr marL="0" indent="0">
+                        <a:buFont typeface="Arial" panose="020B0604020202020204" pitchFamily="34" charset="0"/>
+                        <a:buNone/>
+                      </a:pPr>
+                      <a:endParaRPr lang="en-US" sz="1200" dirty="0">
+                        <a:latin typeface="Arial Unicode MS" panose="020B0604020202020204" pitchFamily="34" charset="-122"/>
+                        <a:ea typeface="Arial Unicode MS" panose="020B0604020202020204" pitchFamily="34" charset="-122"/>
+                        <a:cs typeface="Arial Unicode MS" panose="020B0604020202020204" pitchFamily="34" charset="-122"/>
+                      </a:endParaRPr>
+                    </a:p>
+                  </a:txBody>
+                  <a:tcPr>
+                    <a:lnL w="12700" cap="flat" cmpd="sng" algn="ctr">
+                      <a:solidFill>
+                        <a:schemeClr val="accent1"/>
+                      </a:solidFill>
+                      <a:prstDash val="solid"/>
+                      <a:round/>
+                      <a:headEnd type="none" w="med" len="med"/>
+                      <a:tailEnd type="none" w="med" len="med"/>
+                    </a:lnL>
+                    <a:lnR w="12700" cap="flat" cmpd="sng" algn="ctr">
+                      <a:solidFill>
+                        <a:schemeClr val="accent1"/>
+                      </a:solidFill>
+                      <a:prstDash val="solid"/>
+                      <a:round/>
+                      <a:headEnd type="none" w="med" len="med"/>
+                      <a:tailEnd type="none" w="med" len="med"/>
+                    </a:lnR>
+                    <a:lnT w="12700" cap="flat" cmpd="sng" algn="ctr">
+                      <a:solidFill>
+                        <a:schemeClr val="accent1"/>
+                      </a:solidFill>
+                      <a:prstDash val="solid"/>
+                      <a:round/>
+                      <a:headEnd type="none" w="med" len="med"/>
+                      <a:tailEnd type="none" w="med" len="med"/>
+                    </a:lnT>
+                    <a:lnB w="12700" cap="flat" cmpd="sng" algn="ctr">
+                      <a:solidFill>
+                        <a:schemeClr val="accent1"/>
+                      </a:solidFill>
+                      <a:prstDash val="solid"/>
+                      <a:round/>
+                      <a:headEnd type="none" w="med" len="med"/>
+                      <a:tailEnd type="none" w="med" len="med"/>
+                    </a:lnB>
+                    <a:noFill/>
+                  </a:tcPr>
+                </a:tc>
+                <a:tc>
+                  <a:txBody>
+                    <a:bodyPr/>
+                    <a:lstStyle/>
+                    <a:p>
+                      <a:pPr marL="285750" indent="-285750">
+                        <a:buFont typeface="Arial" panose="020B0604020202020204" pitchFamily="34" charset="0"/>
+                        <a:buChar char="•"/>
+                      </a:pPr>
+                      <a:r>
+                        <a:rPr lang="en-US" sz="1200" dirty="0" smtClean="0">
+                          <a:latin typeface="Arial Unicode MS" panose="020B0604020202020204" pitchFamily="34" charset="-122"/>
+                          <a:ea typeface="Arial Unicode MS" panose="020B0604020202020204" pitchFamily="34" charset="-122"/>
+                          <a:cs typeface="Arial Unicode MS" panose="020B0604020202020204" pitchFamily="34" charset="-122"/>
+                        </a:rPr>
+                        <a:t>geo distance with event</a:t>
+                      </a:r>
+                      <a:endParaRPr lang="en-US" sz="1200" dirty="0">
+                        <a:latin typeface="Arial Unicode MS" panose="020B0604020202020204" pitchFamily="34" charset="-122"/>
+                        <a:ea typeface="Arial Unicode MS" panose="020B0604020202020204" pitchFamily="34" charset="-122"/>
+                        <a:cs typeface="Arial Unicode MS" panose="020B0604020202020204" pitchFamily="34" charset="-122"/>
+                      </a:endParaRPr>
+                    </a:p>
+                  </a:txBody>
+                  <a:tcPr>
+                    <a:lnL w="12700" cap="flat" cmpd="sng" algn="ctr">
+                      <a:solidFill>
+                        <a:schemeClr val="accent1"/>
+                      </a:solidFill>
+                      <a:prstDash val="solid"/>
+                      <a:round/>
+                      <a:headEnd type="none" w="med" len="med"/>
+                      <a:tailEnd type="none" w="med" len="med"/>
+                    </a:lnL>
+                    <a:lnR w="12700" cap="flat" cmpd="sng" algn="ctr">
+                      <a:solidFill>
+                        <a:schemeClr val="accent1"/>
+                      </a:solidFill>
+                      <a:prstDash val="solid"/>
+                      <a:round/>
+                      <a:headEnd type="none" w="med" len="med"/>
+                      <a:tailEnd type="none" w="med" len="med"/>
+                    </a:lnR>
+                    <a:lnT w="12700" cap="flat" cmpd="sng" algn="ctr">
+                      <a:solidFill>
+                        <a:schemeClr val="accent1"/>
+                      </a:solidFill>
+                      <a:prstDash val="solid"/>
+                      <a:round/>
+                      <a:headEnd type="none" w="med" len="med"/>
+                      <a:tailEnd type="none" w="med" len="med"/>
+                    </a:lnT>
+                    <a:lnB w="12700" cap="flat" cmpd="sng" algn="ctr">
+                      <a:solidFill>
+                        <a:schemeClr val="accent1"/>
+                      </a:solidFill>
+                      <a:prstDash val="solid"/>
+                      <a:round/>
+                      <a:headEnd type="none" w="med" len="med"/>
+                      <a:tailEnd type="none" w="med" len="med"/>
+                    </a:lnB>
+                    <a:noFill/>
+                  </a:tcPr>
+                </a:tc>
+              </a:tr>
+              <a:tr h="370840">
+                <a:tc>
+                  <a:txBody>
+                    <a:bodyPr/>
+                    <a:lstStyle/>
+                    <a:p>
+                      <a:r>
+                        <a:rPr lang="en-US" sz="1200" b="1" cap="small" baseline="0" dirty="0" smtClean="0">
+                          <a:latin typeface="Arial Unicode MS" panose="020B0604020202020204" pitchFamily="34" charset="-122"/>
+                          <a:ea typeface="Arial Unicode MS" panose="020B0604020202020204" pitchFamily="34" charset="-122"/>
+                          <a:cs typeface="Arial Unicode MS" panose="020B0604020202020204" pitchFamily="34" charset="-122"/>
+                        </a:rPr>
+                        <a:t>Temporal</a:t>
+                      </a:r>
+                    </a:p>
+                    <a:p>
+                      <a:endParaRPr lang="en-US" sz="1200" b="1" cap="small" baseline="0" dirty="0" smtClean="0">
+                        <a:latin typeface="Arial Unicode MS" panose="020B0604020202020204" pitchFamily="34" charset="-122"/>
+                        <a:ea typeface="Arial Unicode MS" panose="020B0604020202020204" pitchFamily="34" charset="-122"/>
+                        <a:cs typeface="Arial Unicode MS" panose="020B0604020202020204" pitchFamily="34" charset="-122"/>
+                      </a:endParaRPr>
+                    </a:p>
+                  </a:txBody>
+                  <a:tcPr>
+                    <a:lnL w="12700" cap="flat" cmpd="sng" algn="ctr">
+                      <a:solidFill>
+                        <a:schemeClr val="accent1"/>
+                      </a:solidFill>
+                      <a:prstDash val="solid"/>
+                      <a:round/>
+                      <a:headEnd type="none" w="med" len="med"/>
+                      <a:tailEnd type="none" w="med" len="med"/>
+                    </a:lnL>
+                    <a:lnR w="12700" cap="flat" cmpd="sng" algn="ctr">
+                      <a:solidFill>
+                        <a:schemeClr val="accent1"/>
+                      </a:solidFill>
+                      <a:prstDash val="solid"/>
+                      <a:round/>
+                      <a:headEnd type="none" w="med" len="med"/>
+                      <a:tailEnd type="none" w="med" len="med"/>
+                    </a:lnR>
+                    <a:lnT w="12700" cap="flat" cmpd="sng" algn="ctr">
+                      <a:solidFill>
+                        <a:schemeClr val="accent1"/>
+                      </a:solidFill>
+                      <a:prstDash val="solid"/>
+                      <a:round/>
+                      <a:headEnd type="none" w="med" len="med"/>
+                      <a:tailEnd type="none" w="med" len="med"/>
+                    </a:lnT>
+                    <a:lnB w="12700" cap="flat" cmpd="sng" algn="ctr">
+                      <a:solidFill>
+                        <a:schemeClr val="accent1"/>
+                      </a:solidFill>
+                      <a:prstDash val="solid"/>
+                      <a:round/>
+                      <a:headEnd type="none" w="med" len="med"/>
+                      <a:tailEnd type="none" w="med" len="med"/>
+                    </a:lnB>
+                  </a:tcPr>
+                </a:tc>
+                <a:tc>
+                  <a:txBody>
+                    <a:bodyPr/>
+                    <a:lstStyle/>
+                    <a:p>
+                      <a:pPr marL="285750" indent="-285750">
+                        <a:buFont typeface="Arial" panose="020B0604020202020204" pitchFamily="34" charset="0"/>
+                        <a:buChar char="•"/>
+                      </a:pPr>
+                      <a:r>
+                        <a:rPr lang="en-US" altLang="zh-CN" sz="1200" baseline="0" dirty="0" smtClean="0">
+                          <a:latin typeface="Arial Unicode MS" panose="020B0604020202020204" pitchFamily="34" charset="-122"/>
+                          <a:ea typeface="Arial Unicode MS" panose="020B0604020202020204" pitchFamily="34" charset="-122"/>
+                          <a:cs typeface="Arial Unicode MS" panose="020B0604020202020204" pitchFamily="34" charset="-122"/>
+                        </a:rPr>
+                        <a:t># </a:t>
+                      </a:r>
+                      <a:r>
+                        <a:rPr lang="en-US" altLang="zh-CN" sz="1200" baseline="0" dirty="0" smtClean="0">
+                          <a:latin typeface="Arial Unicode MS" panose="020B0604020202020204" pitchFamily="34" charset="-122"/>
+                          <a:ea typeface="Arial Unicode MS" panose="020B0604020202020204" pitchFamily="34" charset="-122"/>
+                          <a:cs typeface="Arial Unicode MS" panose="020B0604020202020204" pitchFamily="34" charset="-122"/>
+                        </a:rPr>
+                        <a:t>events in past X days</a:t>
+                      </a:r>
+                    </a:p>
+                    <a:p>
+                      <a:pPr marL="285750" indent="-285750">
+                        <a:buFont typeface="Arial" panose="020B0604020202020204" pitchFamily="34" charset="0"/>
+                        <a:buChar char="•"/>
+                      </a:pPr>
+                      <a:r>
+                        <a:rPr lang="en-US" sz="1200" baseline="0" dirty="0" smtClean="0">
+                          <a:latin typeface="Arial Unicode MS" panose="020B0604020202020204" pitchFamily="34" charset="-122"/>
+                          <a:ea typeface="Arial Unicode MS" panose="020B0604020202020204" pitchFamily="34" charset="-122"/>
+                          <a:cs typeface="Arial Unicode MS" panose="020B0604020202020204" pitchFamily="34" charset="-122"/>
+                        </a:rPr>
+                        <a:t>avg. attendance % of </a:t>
+                      </a:r>
+                      <a:r>
+                        <a:rPr lang="en-US" sz="1200" baseline="0" dirty="0" smtClean="0">
+                          <a:latin typeface="Arial Unicode MS" panose="020B0604020202020204" pitchFamily="34" charset="-122"/>
+                          <a:ea typeface="Arial Unicode MS" panose="020B0604020202020204" pitchFamily="34" charset="-122"/>
+                          <a:cs typeface="Arial Unicode MS" panose="020B0604020202020204" pitchFamily="34" charset="-122"/>
+                        </a:rPr>
+                        <a:t>the relevant events</a:t>
+                      </a:r>
+                      <a:endParaRPr lang="en-US" sz="1200" dirty="0">
+                        <a:latin typeface="Arial Unicode MS" panose="020B0604020202020204" pitchFamily="34" charset="-122"/>
+                        <a:ea typeface="Arial Unicode MS" panose="020B0604020202020204" pitchFamily="34" charset="-122"/>
+                        <a:cs typeface="Arial Unicode MS" panose="020B0604020202020204" pitchFamily="34" charset="-122"/>
+                      </a:endParaRPr>
+                    </a:p>
+                  </a:txBody>
+                  <a:tcPr>
+                    <a:lnL w="12700" cap="flat" cmpd="sng" algn="ctr">
+                      <a:solidFill>
+                        <a:schemeClr val="accent1"/>
+                      </a:solidFill>
+                      <a:prstDash val="solid"/>
+                      <a:round/>
+                      <a:headEnd type="none" w="med" len="med"/>
+                      <a:tailEnd type="none" w="med" len="med"/>
+                    </a:lnL>
+                    <a:lnR w="12700" cap="flat" cmpd="sng" algn="ctr">
+                      <a:solidFill>
+                        <a:schemeClr val="accent1"/>
+                      </a:solidFill>
+                      <a:prstDash val="solid"/>
+                      <a:round/>
+                      <a:headEnd type="none" w="med" len="med"/>
+                      <a:tailEnd type="none" w="med" len="med"/>
+                    </a:lnR>
+                    <a:lnT w="12700" cap="flat" cmpd="sng" algn="ctr">
+                      <a:solidFill>
+                        <a:schemeClr val="accent1"/>
+                      </a:solidFill>
+                      <a:prstDash val="solid"/>
+                      <a:round/>
+                      <a:headEnd type="none" w="med" len="med"/>
+                      <a:tailEnd type="none" w="med" len="med"/>
+                    </a:lnT>
+                    <a:lnB w="12700" cap="flat" cmpd="sng" algn="ctr">
+                      <a:solidFill>
+                        <a:schemeClr val="accent1"/>
+                      </a:solidFill>
+                      <a:prstDash val="solid"/>
+                      <a:round/>
+                      <a:headEnd type="none" w="med" len="med"/>
+                      <a:tailEnd type="none" w="med" len="med"/>
+                    </a:lnB>
+                  </a:tcPr>
+                </a:tc>
+                <a:tc>
+                  <a:txBody>
+                    <a:bodyPr/>
+                    <a:lstStyle/>
+                    <a:p>
+                      <a:pPr marL="285750" indent="-285750">
+                        <a:buFont typeface="Arial" panose="020B0604020202020204" pitchFamily="34" charset="0"/>
+                        <a:buChar char="•"/>
+                      </a:pPr>
+                      <a:r>
+                        <a:rPr lang="en-US" sz="1200" dirty="0" smtClean="0">
+                          <a:latin typeface="Arial Unicode MS" panose="020B0604020202020204" pitchFamily="34" charset="-122"/>
+                          <a:ea typeface="Arial Unicode MS" panose="020B0604020202020204" pitchFamily="34" charset="-122"/>
+                          <a:cs typeface="Arial Unicode MS" panose="020B0604020202020204" pitchFamily="34" charset="-122"/>
+                        </a:rPr>
+                        <a:t>day of week</a:t>
+                      </a:r>
+                    </a:p>
+                    <a:p>
+                      <a:pPr marL="285750" indent="-285750">
+                        <a:buFont typeface="Arial" panose="020B0604020202020204" pitchFamily="34" charset="0"/>
+                        <a:buChar char="•"/>
+                      </a:pPr>
+                      <a:r>
+                        <a:rPr lang="en-US" sz="1200" dirty="0" smtClean="0">
+                          <a:latin typeface="Arial Unicode MS" panose="020B0604020202020204" pitchFamily="34" charset="-122"/>
+                          <a:ea typeface="Arial Unicode MS" panose="020B0604020202020204" pitchFamily="34" charset="-122"/>
+                          <a:cs typeface="Arial Unicode MS" panose="020B0604020202020204" pitchFamily="34" charset="-122"/>
+                        </a:rPr>
+                        <a:t>hour of day</a:t>
+                      </a:r>
+                    </a:p>
+                    <a:p>
+                      <a:pPr marL="285750" indent="-285750">
+                        <a:buFont typeface="Arial" panose="020B0604020202020204" pitchFamily="34" charset="0"/>
+                        <a:buChar char="•"/>
+                      </a:pPr>
+                      <a:r>
+                        <a:rPr lang="en-US" sz="1200" dirty="0" smtClean="0">
+                          <a:latin typeface="Arial Unicode MS" panose="020B0604020202020204" pitchFamily="34" charset="-122"/>
+                          <a:ea typeface="Arial Unicode MS" panose="020B0604020202020204" pitchFamily="34" charset="-122"/>
+                          <a:cs typeface="Arial Unicode MS" panose="020B0604020202020204" pitchFamily="34" charset="-122"/>
+                        </a:rPr>
+                        <a:t>event duration</a:t>
+                      </a:r>
+                      <a:endParaRPr lang="en-US" sz="1200" dirty="0">
+                        <a:latin typeface="Arial Unicode MS" panose="020B0604020202020204" pitchFamily="34" charset="-122"/>
+                        <a:ea typeface="Arial Unicode MS" panose="020B0604020202020204" pitchFamily="34" charset="-122"/>
+                        <a:cs typeface="Arial Unicode MS" panose="020B0604020202020204" pitchFamily="34" charset="-122"/>
+                      </a:endParaRPr>
+                    </a:p>
+                  </a:txBody>
+                  <a:tcPr>
+                    <a:lnL w="12700" cap="flat" cmpd="sng" algn="ctr">
+                      <a:solidFill>
+                        <a:schemeClr val="accent1"/>
+                      </a:solidFill>
+                      <a:prstDash val="solid"/>
+                      <a:round/>
+                      <a:headEnd type="none" w="med" len="med"/>
+                      <a:tailEnd type="none" w="med" len="med"/>
+                    </a:lnL>
+                    <a:lnR w="12700" cap="flat" cmpd="sng" algn="ctr">
+                      <a:solidFill>
+                        <a:schemeClr val="accent1"/>
+                      </a:solidFill>
+                      <a:prstDash val="solid"/>
+                      <a:round/>
+                      <a:headEnd type="none" w="med" len="med"/>
+                      <a:tailEnd type="none" w="med" len="med"/>
+                    </a:lnR>
+                    <a:lnT w="12700" cap="flat" cmpd="sng" algn="ctr">
+                      <a:solidFill>
+                        <a:schemeClr val="accent1"/>
+                      </a:solidFill>
+                      <a:prstDash val="solid"/>
+                      <a:round/>
+                      <a:headEnd type="none" w="med" len="med"/>
+                      <a:tailEnd type="none" w="med" len="med"/>
+                    </a:lnT>
+                    <a:lnB w="12700" cap="flat" cmpd="sng" algn="ctr">
+                      <a:solidFill>
+                        <a:schemeClr val="accent1"/>
+                      </a:solidFill>
+                      <a:prstDash val="solid"/>
+                      <a:round/>
+                      <a:headEnd type="none" w="med" len="med"/>
+                      <a:tailEnd type="none" w="med" len="med"/>
+                    </a:lnB>
+                  </a:tcPr>
+                </a:tc>
+                <a:tc>
+                  <a:txBody>
+                    <a:bodyPr/>
+                    <a:lstStyle/>
+                    <a:p>
+                      <a:pPr marL="285750" indent="-285750">
+                        <a:buFont typeface="Arial" panose="020B0604020202020204" pitchFamily="34" charset="0"/>
+                        <a:buChar char="•"/>
+                      </a:pPr>
+                      <a:r>
+                        <a:rPr lang="en-US" sz="1200" dirty="0" smtClean="0">
+                          <a:latin typeface="Arial Unicode MS" panose="020B0604020202020204" pitchFamily="34" charset="-122"/>
+                          <a:ea typeface="Arial Unicode MS" panose="020B0604020202020204" pitchFamily="34" charset="-122"/>
+                          <a:cs typeface="Arial Unicode MS" panose="020B0604020202020204" pitchFamily="34" charset="-122"/>
+                        </a:rPr>
+                        <a:t># attended events in past X days</a:t>
+                      </a:r>
+                    </a:p>
+                    <a:p>
+                      <a:pPr marL="285750" indent="-285750">
+                        <a:buFont typeface="Arial" panose="020B0604020202020204" pitchFamily="34" charset="0"/>
+                        <a:buChar char="•"/>
+                      </a:pPr>
+                      <a:r>
+                        <a:rPr lang="en-US" sz="1200" dirty="0" smtClean="0">
+                          <a:latin typeface="Arial Unicode MS" panose="020B0604020202020204" pitchFamily="34" charset="-122"/>
+                          <a:ea typeface="Arial Unicode MS" panose="020B0604020202020204" pitchFamily="34" charset="-122"/>
+                          <a:cs typeface="Arial Unicode MS" panose="020B0604020202020204" pitchFamily="34" charset="-122"/>
+                        </a:rPr>
+                        <a:t># days since</a:t>
+                      </a:r>
+                      <a:r>
+                        <a:rPr lang="en-US" sz="1200" baseline="0" dirty="0" smtClean="0">
+                          <a:latin typeface="Arial Unicode MS" panose="020B0604020202020204" pitchFamily="34" charset="-122"/>
+                          <a:ea typeface="Arial Unicode MS" panose="020B0604020202020204" pitchFamily="34" charset="-122"/>
+                          <a:cs typeface="Arial Unicode MS" panose="020B0604020202020204" pitchFamily="34" charset="-122"/>
+                        </a:rPr>
+                        <a:t> last event</a:t>
+                      </a:r>
+                    </a:p>
+                    <a:p>
+                      <a:pPr marL="285750" indent="-285750">
+                        <a:buFont typeface="Arial" panose="020B0604020202020204" pitchFamily="34" charset="0"/>
+                        <a:buChar char="•"/>
+                      </a:pPr>
+                      <a:r>
+                        <a:rPr lang="en-US" sz="1200" baseline="0" dirty="0" smtClean="0">
+                          <a:latin typeface="Arial Unicode MS" panose="020B0604020202020204" pitchFamily="34" charset="-122"/>
+                          <a:ea typeface="Arial Unicode MS" panose="020B0604020202020204" pitchFamily="34" charset="-122"/>
+                          <a:cs typeface="Arial Unicode MS" panose="020B0604020202020204" pitchFamily="34" charset="-122"/>
+                        </a:rPr>
+                        <a:t>group membership time</a:t>
+                      </a:r>
+                    </a:p>
+                  </a:txBody>
+                  <a:tcPr>
+                    <a:lnL w="12700" cap="flat" cmpd="sng" algn="ctr">
+                      <a:solidFill>
+                        <a:schemeClr val="accent1"/>
+                      </a:solidFill>
+                      <a:prstDash val="solid"/>
+                      <a:round/>
+                      <a:headEnd type="none" w="med" len="med"/>
+                      <a:tailEnd type="none" w="med" len="med"/>
+                    </a:lnL>
+                    <a:lnR w="12700" cap="flat" cmpd="sng" algn="ctr">
+                      <a:solidFill>
+                        <a:schemeClr val="accent1"/>
+                      </a:solidFill>
+                      <a:prstDash val="solid"/>
+                      <a:round/>
+                      <a:headEnd type="none" w="med" len="med"/>
+                      <a:tailEnd type="none" w="med" len="med"/>
+                    </a:lnR>
+                    <a:lnT w="12700" cap="flat" cmpd="sng" algn="ctr">
+                      <a:solidFill>
+                        <a:schemeClr val="accent1"/>
+                      </a:solidFill>
+                      <a:prstDash val="solid"/>
+                      <a:round/>
+                      <a:headEnd type="none" w="med" len="med"/>
+                      <a:tailEnd type="none" w="med" len="med"/>
+                    </a:lnT>
+                    <a:lnB w="12700" cap="flat" cmpd="sng" algn="ctr">
+                      <a:solidFill>
+                        <a:schemeClr val="accent1"/>
+                      </a:solidFill>
+                      <a:prstDash val="solid"/>
+                      <a:round/>
+                      <a:headEnd type="none" w="med" len="med"/>
+                      <a:tailEnd type="none" w="med" len="med"/>
+                    </a:lnB>
+                  </a:tcPr>
+                </a:tc>
+              </a:tr>
+              <a:tr h="370840">
+                <a:tc>
+                  <a:txBody>
+                    <a:bodyPr/>
+                    <a:lstStyle/>
+                    <a:p>
+                      <a:r>
+                        <a:rPr lang="en-US" sz="1200" b="1" cap="small" baseline="0" dirty="0" smtClean="0">
+                          <a:latin typeface="Arial Unicode MS" panose="020B0604020202020204" pitchFamily="34" charset="-122"/>
+                          <a:ea typeface="Arial Unicode MS" panose="020B0604020202020204" pitchFamily="34" charset="-122"/>
+                          <a:cs typeface="Arial Unicode MS" panose="020B0604020202020204" pitchFamily="34" charset="-122"/>
+                        </a:rPr>
+                        <a:t>Semantic</a:t>
+                      </a:r>
+                      <a:endParaRPr lang="en-US" sz="1200" b="1" cap="small" baseline="0" dirty="0">
+                        <a:latin typeface="Arial Unicode MS" panose="020B0604020202020204" pitchFamily="34" charset="-122"/>
+                        <a:ea typeface="Arial Unicode MS" panose="020B0604020202020204" pitchFamily="34" charset="-122"/>
+                        <a:cs typeface="Arial Unicode MS" panose="020B0604020202020204" pitchFamily="34" charset="-122"/>
+                      </a:endParaRPr>
+                    </a:p>
+                  </a:txBody>
+                  <a:tcPr>
+                    <a:lnL w="12700" cap="flat" cmpd="sng" algn="ctr">
+                      <a:solidFill>
+                        <a:schemeClr val="accent1"/>
+                      </a:solidFill>
+                      <a:prstDash val="solid"/>
+                      <a:round/>
+                      <a:headEnd type="none" w="med" len="med"/>
+                      <a:tailEnd type="none" w="med" len="med"/>
+                    </a:lnL>
+                    <a:lnR w="12700" cap="flat" cmpd="sng" algn="ctr">
+                      <a:solidFill>
+                        <a:schemeClr val="accent1"/>
+                      </a:solidFill>
+                      <a:prstDash val="solid"/>
+                      <a:round/>
+                      <a:headEnd type="none" w="med" len="med"/>
+                      <a:tailEnd type="none" w="med" len="med"/>
+                    </a:lnR>
+                    <a:lnT w="12700" cap="flat" cmpd="sng" algn="ctr">
+                      <a:solidFill>
+                        <a:schemeClr val="accent1"/>
+                      </a:solidFill>
+                      <a:prstDash val="solid"/>
+                      <a:round/>
+                      <a:headEnd type="none" w="med" len="med"/>
+                      <a:tailEnd type="none" w="med" len="med"/>
+                    </a:lnT>
+                    <a:lnB w="12700" cap="flat" cmpd="sng" algn="ctr">
+                      <a:solidFill>
+                        <a:schemeClr val="accent1"/>
+                      </a:solidFill>
+                      <a:prstDash val="solid"/>
+                      <a:round/>
+                      <a:headEnd type="none" w="med" len="med"/>
+                      <a:tailEnd type="none" w="med" len="med"/>
+                    </a:lnB>
+                    <a:noFill/>
+                  </a:tcPr>
+                </a:tc>
+                <a:tc>
+                  <a:txBody>
+                    <a:bodyPr/>
+                    <a:lstStyle/>
+                    <a:p>
+                      <a:pPr marL="285750" indent="-285750">
+                        <a:buFont typeface="Arial" panose="020B0604020202020204" pitchFamily="34" charset="0"/>
+                        <a:buChar char="•"/>
+                      </a:pPr>
+                      <a:r>
+                        <a:rPr lang="en-US" sz="1200" dirty="0" smtClean="0">
+                          <a:latin typeface="Arial Unicode MS" panose="020B0604020202020204" pitchFamily="34" charset="-122"/>
+                          <a:ea typeface="Arial Unicode MS" panose="020B0604020202020204" pitchFamily="34" charset="-122"/>
+                          <a:cs typeface="Arial Unicode MS" panose="020B0604020202020204" pitchFamily="34" charset="-122"/>
+                        </a:rPr>
+                        <a:t>semantic </a:t>
+                      </a:r>
+                      <a:r>
+                        <a:rPr lang="en-US" sz="1200" dirty="0" smtClean="0">
+                          <a:latin typeface="Arial Unicode MS" panose="020B0604020202020204" pitchFamily="34" charset="-122"/>
+                          <a:ea typeface="Arial Unicode MS" panose="020B0604020202020204" pitchFamily="34" charset="-122"/>
+                          <a:cs typeface="Arial Unicode MS" panose="020B0604020202020204" pitchFamily="34" charset="-122"/>
+                        </a:rPr>
+                        <a:t>similarity with event</a:t>
+                      </a:r>
+                      <a:endParaRPr lang="en-US" sz="1200" dirty="0">
+                        <a:latin typeface="Arial Unicode MS" panose="020B0604020202020204" pitchFamily="34" charset="-122"/>
+                        <a:ea typeface="Arial Unicode MS" panose="020B0604020202020204" pitchFamily="34" charset="-122"/>
+                        <a:cs typeface="Arial Unicode MS" panose="020B0604020202020204" pitchFamily="34" charset="-122"/>
+                      </a:endParaRPr>
+                    </a:p>
+                  </a:txBody>
+                  <a:tcPr>
+                    <a:lnL w="12700" cap="flat" cmpd="sng" algn="ctr">
+                      <a:solidFill>
+                        <a:schemeClr val="accent1"/>
+                      </a:solidFill>
+                      <a:prstDash val="solid"/>
+                      <a:round/>
+                      <a:headEnd type="none" w="med" len="med"/>
+                      <a:tailEnd type="none" w="med" len="med"/>
+                    </a:lnL>
+                    <a:lnR w="12700" cap="flat" cmpd="sng" algn="ctr">
+                      <a:solidFill>
+                        <a:schemeClr val="accent1"/>
+                      </a:solidFill>
+                      <a:prstDash val="solid"/>
+                      <a:round/>
+                      <a:headEnd type="none" w="med" len="med"/>
+                      <a:tailEnd type="none" w="med" len="med"/>
+                    </a:lnR>
+                    <a:lnT w="12700" cap="flat" cmpd="sng" algn="ctr">
+                      <a:solidFill>
+                        <a:schemeClr val="accent1"/>
+                      </a:solidFill>
+                      <a:prstDash val="solid"/>
+                      <a:round/>
+                      <a:headEnd type="none" w="med" len="med"/>
+                      <a:tailEnd type="none" w="med" len="med"/>
+                    </a:lnT>
+                    <a:lnB w="12700" cap="flat" cmpd="sng" algn="ctr">
+                      <a:solidFill>
+                        <a:schemeClr val="accent1"/>
+                      </a:solidFill>
+                      <a:prstDash val="solid"/>
+                      <a:round/>
+                      <a:headEnd type="none" w="med" len="med"/>
+                      <a:tailEnd type="none" w="med" len="med"/>
+                    </a:lnB>
+                    <a:noFill/>
+                  </a:tcPr>
+                </a:tc>
+                <a:tc>
+                  <a:txBody>
+                    <a:bodyPr/>
+                    <a:lstStyle/>
+                    <a:p>
+                      <a:pPr marL="0" indent="0">
+                        <a:buFont typeface="Arial" panose="020B0604020202020204" pitchFamily="34" charset="0"/>
+                        <a:buNone/>
+                      </a:pPr>
+                      <a:endParaRPr lang="en-US" sz="1200" dirty="0">
+                        <a:latin typeface="Arial Unicode MS" panose="020B0604020202020204" pitchFamily="34" charset="-122"/>
+                        <a:ea typeface="Arial Unicode MS" panose="020B0604020202020204" pitchFamily="34" charset="-122"/>
+                        <a:cs typeface="Arial Unicode MS" panose="020B0604020202020204" pitchFamily="34" charset="-122"/>
+                      </a:endParaRPr>
+                    </a:p>
+                  </a:txBody>
+                  <a:tcPr>
+                    <a:lnL w="12700" cap="flat" cmpd="sng" algn="ctr">
+                      <a:solidFill>
+                        <a:schemeClr val="accent1"/>
+                      </a:solidFill>
+                      <a:prstDash val="solid"/>
+                      <a:round/>
+                      <a:headEnd type="none" w="med" len="med"/>
+                      <a:tailEnd type="none" w="med" len="med"/>
+                    </a:lnL>
+                    <a:lnR w="12700" cap="flat" cmpd="sng" algn="ctr">
+                      <a:solidFill>
+                        <a:schemeClr val="accent1"/>
+                      </a:solidFill>
+                      <a:prstDash val="solid"/>
+                      <a:round/>
+                      <a:headEnd type="none" w="med" len="med"/>
+                      <a:tailEnd type="none" w="med" len="med"/>
+                    </a:lnR>
+                    <a:lnT w="12700" cap="flat" cmpd="sng" algn="ctr">
+                      <a:solidFill>
+                        <a:schemeClr val="accent1"/>
+                      </a:solidFill>
+                      <a:prstDash val="solid"/>
+                      <a:round/>
+                      <a:headEnd type="none" w="med" len="med"/>
+                      <a:tailEnd type="none" w="med" len="med"/>
+                    </a:lnT>
+                    <a:lnB w="12700" cap="flat" cmpd="sng" algn="ctr">
+                      <a:solidFill>
+                        <a:schemeClr val="accent1"/>
+                      </a:solidFill>
+                      <a:prstDash val="solid"/>
+                      <a:round/>
+                      <a:headEnd type="none" w="med" len="med"/>
+                      <a:tailEnd type="none" w="med" len="med"/>
+                    </a:lnB>
+                    <a:noFill/>
+                  </a:tcPr>
+                </a:tc>
+                <a:tc>
+                  <a:txBody>
+                    <a:bodyPr/>
+                    <a:lstStyle/>
+                    <a:p>
+                      <a:pPr marL="285750" indent="-285750">
+                        <a:buFont typeface="Arial" panose="020B0604020202020204" pitchFamily="34" charset="0"/>
+                        <a:buChar char="•"/>
+                      </a:pPr>
+                      <a:r>
+                        <a:rPr lang="en-US" sz="1200" dirty="0" smtClean="0">
+                          <a:latin typeface="Arial Unicode MS" panose="020B0604020202020204" pitchFamily="34" charset="-122"/>
+                          <a:ea typeface="Arial Unicode MS" panose="020B0604020202020204" pitchFamily="34" charset="-122"/>
+                          <a:cs typeface="Arial Unicode MS" panose="020B0604020202020204" pitchFamily="34" charset="-122"/>
+                        </a:rPr>
+                        <a:t>semantic similarity with event</a:t>
+                      </a:r>
+                      <a:endParaRPr lang="en-US" sz="1200" dirty="0">
+                        <a:latin typeface="Arial Unicode MS" panose="020B0604020202020204" pitchFamily="34" charset="-122"/>
+                        <a:ea typeface="Arial Unicode MS" panose="020B0604020202020204" pitchFamily="34" charset="-122"/>
+                        <a:cs typeface="Arial Unicode MS" panose="020B0604020202020204" pitchFamily="34" charset="-122"/>
+                      </a:endParaRPr>
+                    </a:p>
+                  </a:txBody>
+                  <a:tcPr>
+                    <a:lnL w="12700" cap="flat" cmpd="sng" algn="ctr">
+                      <a:solidFill>
+                        <a:schemeClr val="accent1"/>
+                      </a:solidFill>
+                      <a:prstDash val="solid"/>
+                      <a:round/>
+                      <a:headEnd type="none" w="med" len="med"/>
+                      <a:tailEnd type="none" w="med" len="med"/>
+                    </a:lnL>
+                    <a:lnR w="12700" cap="flat" cmpd="sng" algn="ctr">
+                      <a:solidFill>
+                        <a:schemeClr val="accent1"/>
+                      </a:solidFill>
+                      <a:prstDash val="solid"/>
+                      <a:round/>
+                      <a:headEnd type="none" w="med" len="med"/>
+                      <a:tailEnd type="none" w="med" len="med"/>
+                    </a:lnR>
+                    <a:lnT w="12700" cap="flat" cmpd="sng" algn="ctr">
+                      <a:solidFill>
+                        <a:schemeClr val="accent1"/>
+                      </a:solidFill>
+                      <a:prstDash val="solid"/>
+                      <a:round/>
+                      <a:headEnd type="none" w="med" len="med"/>
+                      <a:tailEnd type="none" w="med" len="med"/>
+                    </a:lnT>
+                    <a:lnB w="12700" cap="flat" cmpd="sng" algn="ctr">
+                      <a:solidFill>
+                        <a:schemeClr val="accent1"/>
+                      </a:solidFill>
+                      <a:prstDash val="solid"/>
+                      <a:round/>
+                      <a:headEnd type="none" w="med" len="med"/>
+                      <a:tailEnd type="none" w="med" len="med"/>
+                    </a:lnB>
+                    <a:noFill/>
+                  </a:tcPr>
+                </a:tc>
+              </a:tr>
+              <a:tr h="370840">
+                <a:tc>
+                  <a:txBody>
+                    <a:bodyPr/>
+                    <a:lstStyle/>
+                    <a:p>
+                      <a:r>
+                        <a:rPr lang="en-US" sz="1200" b="1" cap="small" baseline="0" dirty="0" smtClean="0">
+                          <a:latin typeface="Arial Unicode MS" panose="020B0604020202020204" pitchFamily="34" charset="-122"/>
+                          <a:ea typeface="Arial Unicode MS" panose="020B0604020202020204" pitchFamily="34" charset="-122"/>
+                          <a:cs typeface="Arial Unicode MS" panose="020B0604020202020204" pitchFamily="34" charset="-122"/>
+                        </a:rPr>
+                        <a:t>Others</a:t>
+                      </a:r>
+                    </a:p>
+                  </a:txBody>
+                  <a:tcPr>
+                    <a:lnL w="12700" cap="flat" cmpd="sng" algn="ctr">
+                      <a:solidFill>
+                        <a:schemeClr val="accent1"/>
+                      </a:solidFill>
+                      <a:prstDash val="solid"/>
+                      <a:round/>
+                      <a:headEnd type="none" w="med" len="med"/>
+                      <a:tailEnd type="none" w="med" len="med"/>
+                    </a:lnL>
+                    <a:lnR w="12700" cap="flat" cmpd="sng" algn="ctr">
+                      <a:solidFill>
+                        <a:schemeClr val="accent1"/>
+                      </a:solidFill>
+                      <a:prstDash val="solid"/>
+                      <a:round/>
+                      <a:headEnd type="none" w="med" len="med"/>
+                      <a:tailEnd type="none" w="med" len="med"/>
+                    </a:lnR>
+                    <a:lnT w="12700" cap="flat" cmpd="sng" algn="ctr">
+                      <a:solidFill>
+                        <a:schemeClr val="accent1"/>
+                      </a:solidFill>
+                      <a:prstDash val="solid"/>
+                      <a:round/>
+                      <a:headEnd type="none" w="med" len="med"/>
+                      <a:tailEnd type="none" w="med" len="med"/>
+                    </a:lnT>
+                    <a:lnB w="12700" cap="flat" cmpd="sng" algn="ctr">
+                      <a:solidFill>
+                        <a:schemeClr val="accent1"/>
+                      </a:solidFill>
+                      <a:prstDash val="solid"/>
+                      <a:round/>
+                      <a:headEnd type="none" w="med" len="med"/>
+                      <a:tailEnd type="none" w="med" len="med"/>
+                    </a:lnB>
+                  </a:tcPr>
+                </a:tc>
+                <a:tc>
+                  <a:txBody>
+                    <a:bodyPr/>
+                    <a:lstStyle/>
+                    <a:p>
+                      <a:pPr marL="285750" indent="-285750">
+                        <a:buFont typeface="Arial" panose="020B0604020202020204" pitchFamily="34" charset="0"/>
+                        <a:buChar char="•"/>
+                      </a:pPr>
+                      <a:r>
+                        <a:rPr lang="en-US" sz="1200" dirty="0" smtClean="0">
+                          <a:latin typeface="Arial Unicode MS" panose="020B0604020202020204" pitchFamily="34" charset="-122"/>
+                          <a:ea typeface="Arial Unicode MS" panose="020B0604020202020204" pitchFamily="34" charset="-122"/>
+                          <a:cs typeface="Arial Unicode MS" panose="020B0604020202020204" pitchFamily="34" charset="-122"/>
+                        </a:rPr>
+                        <a:t>group</a:t>
+                      </a:r>
+                      <a:r>
+                        <a:rPr lang="en-US" sz="1200" baseline="0" dirty="0" smtClean="0">
+                          <a:latin typeface="Arial Unicode MS" panose="020B0604020202020204" pitchFamily="34" charset="-122"/>
+                          <a:ea typeface="Arial Unicode MS" panose="020B0604020202020204" pitchFamily="34" charset="-122"/>
+                          <a:cs typeface="Arial Unicode MS" panose="020B0604020202020204" pitchFamily="34" charset="-122"/>
+                        </a:rPr>
+                        <a:t> age</a:t>
+                      </a:r>
+                    </a:p>
+                    <a:p>
+                      <a:pPr marL="285750" indent="-285750">
+                        <a:buFont typeface="Arial" panose="020B0604020202020204" pitchFamily="34" charset="0"/>
+                        <a:buChar char="•"/>
+                      </a:pPr>
+                      <a:r>
+                        <a:rPr lang="en-US" sz="1200" baseline="0" dirty="0" smtClean="0">
+                          <a:latin typeface="Arial Unicode MS" panose="020B0604020202020204" pitchFamily="34" charset="-122"/>
+                          <a:ea typeface="Arial Unicode MS" panose="020B0604020202020204" pitchFamily="34" charset="-122"/>
+                          <a:cs typeface="Arial Unicode MS" panose="020B0604020202020204" pitchFamily="34" charset="-122"/>
+                        </a:rPr>
+                        <a:t>number of group members</a:t>
+                      </a:r>
+                      <a:endParaRPr lang="en-US" sz="1200" dirty="0">
+                        <a:latin typeface="Arial Unicode MS" panose="020B0604020202020204" pitchFamily="34" charset="-122"/>
+                        <a:ea typeface="Arial Unicode MS" panose="020B0604020202020204" pitchFamily="34" charset="-122"/>
+                        <a:cs typeface="Arial Unicode MS" panose="020B0604020202020204" pitchFamily="34" charset="-122"/>
+                      </a:endParaRPr>
+                    </a:p>
+                  </a:txBody>
+                  <a:tcPr>
+                    <a:lnL w="12700" cap="flat" cmpd="sng" algn="ctr">
+                      <a:solidFill>
+                        <a:schemeClr val="accent1"/>
+                      </a:solidFill>
+                      <a:prstDash val="solid"/>
+                      <a:round/>
+                      <a:headEnd type="none" w="med" len="med"/>
+                      <a:tailEnd type="none" w="med" len="med"/>
+                    </a:lnL>
+                    <a:lnR w="12700" cap="flat" cmpd="sng" algn="ctr">
+                      <a:solidFill>
+                        <a:schemeClr val="accent1"/>
+                      </a:solidFill>
+                      <a:prstDash val="solid"/>
+                      <a:round/>
+                      <a:headEnd type="none" w="med" len="med"/>
+                      <a:tailEnd type="none" w="med" len="med"/>
+                    </a:lnR>
+                    <a:lnT w="12700" cap="flat" cmpd="sng" algn="ctr">
+                      <a:solidFill>
+                        <a:schemeClr val="accent1"/>
+                      </a:solidFill>
+                      <a:prstDash val="solid"/>
+                      <a:round/>
+                      <a:headEnd type="none" w="med" len="med"/>
+                      <a:tailEnd type="none" w="med" len="med"/>
+                    </a:lnT>
+                    <a:lnB w="12700" cap="flat" cmpd="sng" algn="ctr">
+                      <a:solidFill>
+                        <a:schemeClr val="accent1"/>
+                      </a:solidFill>
+                      <a:prstDash val="solid"/>
+                      <a:round/>
+                      <a:headEnd type="none" w="med" len="med"/>
+                      <a:tailEnd type="none" w="med" len="med"/>
+                    </a:lnB>
+                  </a:tcPr>
+                </a:tc>
+                <a:tc>
+                  <a:txBody>
+                    <a:bodyPr/>
+                    <a:lstStyle/>
+                    <a:p>
+                      <a:pPr marL="285750" indent="-285750">
+                        <a:buFont typeface="Arial" panose="020B0604020202020204" pitchFamily="34" charset="0"/>
+                        <a:buChar char="•"/>
+                      </a:pPr>
+                      <a:endParaRPr lang="en-US" sz="1200" dirty="0" smtClean="0">
+                        <a:latin typeface="Arial Unicode MS" panose="020B0604020202020204" pitchFamily="34" charset="-122"/>
+                        <a:ea typeface="Arial Unicode MS" panose="020B0604020202020204" pitchFamily="34" charset="-122"/>
+                        <a:cs typeface="Arial Unicode MS" panose="020B0604020202020204" pitchFamily="34" charset="-122"/>
+                      </a:endParaRPr>
+                    </a:p>
+                  </a:txBody>
+                  <a:tcPr>
+                    <a:lnL w="12700" cap="flat" cmpd="sng" algn="ctr">
+                      <a:solidFill>
+                        <a:schemeClr val="accent1"/>
+                      </a:solidFill>
+                      <a:prstDash val="solid"/>
+                      <a:round/>
+                      <a:headEnd type="none" w="med" len="med"/>
+                      <a:tailEnd type="none" w="med" len="med"/>
+                    </a:lnL>
+                    <a:lnR w="12700" cap="flat" cmpd="sng" algn="ctr">
+                      <a:solidFill>
+                        <a:schemeClr val="accent1"/>
+                      </a:solidFill>
+                      <a:prstDash val="solid"/>
+                      <a:round/>
+                      <a:headEnd type="none" w="med" len="med"/>
+                      <a:tailEnd type="none" w="med" len="med"/>
+                    </a:lnR>
+                    <a:lnT w="12700" cap="flat" cmpd="sng" algn="ctr">
+                      <a:solidFill>
+                        <a:schemeClr val="accent1"/>
+                      </a:solidFill>
+                      <a:prstDash val="solid"/>
+                      <a:round/>
+                      <a:headEnd type="none" w="med" len="med"/>
+                      <a:tailEnd type="none" w="med" len="med"/>
+                    </a:lnT>
+                    <a:lnB w="12700" cap="flat" cmpd="sng" algn="ctr">
+                      <a:solidFill>
+                        <a:schemeClr val="accent1"/>
+                      </a:solidFill>
+                      <a:prstDash val="solid"/>
+                      <a:round/>
+                      <a:headEnd type="none" w="med" len="med"/>
+                      <a:tailEnd type="none" w="med" len="med"/>
+                    </a:lnB>
+                  </a:tcPr>
+                </a:tc>
+                <a:tc>
+                  <a:txBody>
+                    <a:bodyPr/>
+                    <a:lstStyle/>
+                    <a:p>
+                      <a:pPr marL="285750" indent="-285750">
+                        <a:buFont typeface="Arial" panose="020B0604020202020204" pitchFamily="34" charset="0"/>
+                        <a:buChar char="•"/>
+                      </a:pPr>
+                      <a:endParaRPr lang="en-US" sz="1200" dirty="0" smtClean="0">
+                        <a:latin typeface="Arial Unicode MS" panose="020B0604020202020204" pitchFamily="34" charset="-122"/>
+                        <a:ea typeface="Arial Unicode MS" panose="020B0604020202020204" pitchFamily="34" charset="-122"/>
+                        <a:cs typeface="Arial Unicode MS" panose="020B0604020202020204" pitchFamily="34" charset="-122"/>
+                      </a:endParaRPr>
+                    </a:p>
+                  </a:txBody>
+                  <a:tcPr>
+                    <a:lnL w="12700" cap="flat" cmpd="sng" algn="ctr">
+                      <a:solidFill>
+                        <a:schemeClr val="accent1"/>
+                      </a:solidFill>
+                      <a:prstDash val="solid"/>
+                      <a:round/>
+                      <a:headEnd type="none" w="med" len="med"/>
+                      <a:tailEnd type="none" w="med" len="med"/>
+                    </a:lnL>
+                    <a:lnR w="12700" cap="flat" cmpd="sng" algn="ctr">
+                      <a:solidFill>
+                        <a:schemeClr val="accent1"/>
+                      </a:solidFill>
+                      <a:prstDash val="solid"/>
+                      <a:round/>
+                      <a:headEnd type="none" w="med" len="med"/>
+                      <a:tailEnd type="none" w="med" len="med"/>
+                    </a:lnR>
+                    <a:lnT w="12700" cap="flat" cmpd="sng" algn="ctr">
+                      <a:solidFill>
+                        <a:schemeClr val="accent1"/>
+                      </a:solidFill>
+                      <a:prstDash val="solid"/>
+                      <a:round/>
+                      <a:headEnd type="none" w="med" len="med"/>
+                      <a:tailEnd type="none" w="med" len="med"/>
+                    </a:lnT>
+                    <a:lnB w="12700" cap="flat" cmpd="sng" algn="ctr">
+                      <a:solidFill>
+                        <a:schemeClr val="accent1"/>
+                      </a:solidFill>
+                      <a:prstDash val="solid"/>
+                      <a:round/>
+                      <a:headEnd type="none" w="med" len="med"/>
+                      <a:tailEnd type="none" w="med" len="med"/>
+                    </a:lnB>
+                  </a:tcPr>
+                </a:tc>
+              </a:tr>
+            </a:tbl>
+          </a:graphicData>
+        </a:graphic>
+      </p:graphicFrame>
+    </p:spTree>
+    <p:extLst>
+      <p:ext uri="{BB962C8B-B14F-4D97-AF65-F5344CB8AC3E}">
+        <p14:creationId xmlns:p14="http://schemas.microsoft.com/office/powerpoint/2010/main" val="1079515695"/>
+      </p:ext>
+    </p:extLst>
+  </p:cSld>
+  <p:clrMapOvr>
+    <a:masterClrMapping/>
+  </p:clrMapOvr>
+</p:sld>
+</file>
+
+<file path=ppt/slides/slide7.xml><?xml version="1.0" encoding="utf-8"?>
+<p:sld xmlns:a="http://schemas.openxmlformats.org/drawingml/2006/main" xmlns:r="http://schemas.openxmlformats.org/officeDocument/2006/relationships" xmlns:p="http://schemas.openxmlformats.org/presentationml/2006/main">
+  <p:cSld>
+    <p:spTree>
+      <p:nvGrpSpPr>
+        <p:cNvPr id="1" name=""/>
+        <p:cNvGrpSpPr/>
+        <p:nvPr/>
+      </p:nvGrpSpPr>
+      <p:grpSpPr>
+        <a:xfrm>
+          <a:off x="0" y="0"/>
+          <a:ext cx="0" cy="0"/>
+          <a:chOff x="0" y="0"/>
+          <a:chExt cx="0" cy="0"/>
+        </a:xfrm>
+      </p:grpSpPr>
+      <p:sp>
+        <p:nvSpPr>
+          <p:cNvPr id="2" name="标题 1"/>
+          <p:cNvSpPr>
+            <a:spLocks noGrp="1"/>
+          </p:cNvSpPr>
+          <p:nvPr>
+            <p:ph type="title"/>
+          </p:nvPr>
+        </p:nvSpPr>
+        <p:spPr/>
+        <p:txBody>
+          <a:bodyPr/>
+          <a:lstStyle/>
+          <a:p>
+            <a:r>
+              <a:rPr lang="en-US" dirty="0" smtClean="0"/>
+              <a:t>Model evaluation</a:t>
+            </a:r>
+            <a:endParaRPr lang="en-US" dirty="0"/>
+          </a:p>
+        </p:txBody>
+      </p:sp>
+      <p:sp>
+        <p:nvSpPr>
+          <p:cNvPr id="3" name="内容占位符 2"/>
+          <p:cNvSpPr>
+            <a:spLocks noGrp="1"/>
+          </p:cNvSpPr>
+          <p:nvPr>
+            <p:ph idx="1"/>
+          </p:nvPr>
+        </p:nvSpPr>
+        <p:spPr/>
+        <p:txBody>
+          <a:bodyPr/>
+          <a:lstStyle/>
+          <a:p>
+            <a:endParaRPr lang="en-US"/>
+          </a:p>
+        </p:txBody>
+      </p:sp>
+    </p:spTree>
+    <p:extLst>
+      <p:ext uri="{BB962C8B-B14F-4D97-AF65-F5344CB8AC3E}">
+        <p14:creationId xmlns:p14="http://schemas.microsoft.com/office/powerpoint/2010/main" val="745760972"/>
       </p:ext>
     </p:extLst>
   </p:cSld>
